--- a/Prezentare_TSS.pptx
+++ b/Prezentare_TSS.pptx
@@ -15,26 +15,23 @@
     <p:sldId id="260" r:id="rId10"/>
     <p:sldId id="261" r:id="rId11"/>
     <p:sldId id="262" r:id="rId12"/>
-    <p:sldId id="263" r:id="rId13"/>
-    <p:sldId id="264" r:id="rId14"/>
-    <p:sldId id="265" r:id="rId15"/>
   </p:sldIdLst>
   <p:sldSz cy="5143500" cx="9144000"/>
   <p:notesSz cx="6858000" cy="9144000"/>
   <p:embeddedFontLst>
     <p:embeddedFont>
       <p:font typeface="Roboto"/>
-      <p:regular r:id="rId16"/>
-      <p:bold r:id="rId17"/>
-      <p:italic r:id="rId18"/>
-      <p:boldItalic r:id="rId19"/>
+      <p:regular r:id="rId13"/>
+      <p:bold r:id="rId14"/>
+      <p:italic r:id="rId15"/>
+      <p:boldItalic r:id="rId16"/>
     </p:embeddedFont>
     <p:embeddedFont>
       <p:font typeface="Merriweather"/>
-      <p:regular r:id="rId20"/>
-      <p:bold r:id="rId21"/>
-      <p:italic r:id="rId22"/>
-      <p:boldItalic r:id="rId23"/>
+      <p:regular r:id="rId17"/>
+      <p:bold r:id="rId18"/>
+      <p:italic r:id="rId19"/>
+      <p:boldItalic r:id="rId20"/>
     </p:embeddedFont>
   </p:embeddedFontLst>
   <p:defaultTextStyle>
@@ -810,105 +807,6 @@
 </p:notes>
 </file>
 
-<file path=ppt/notesSlides/notesSlide10.xml><?xml version="1.0" encoding="utf-8"?>
-<p:notes xmlns:a="http://schemas.openxmlformats.org/drawingml/2006/main" xmlns:r="http://schemas.openxmlformats.org/officeDocument/2006/relationships" xmlns:mc="http://schemas.openxmlformats.org/markup-compatibility/2006" xmlns:mv="urn:schemas-microsoft-com:mac:vml" xmlns:p="http://schemas.openxmlformats.org/presentationml/2006/main" xmlns:c="http://schemas.openxmlformats.org/drawingml/2006/chart" xmlns:dgm="http://schemas.openxmlformats.org/drawingml/2006/diagram" xmlns:o="urn:schemas-microsoft-com:office:office" xmlns:v="urn:schemas-microsoft-com:vml" xmlns:pvml="urn:schemas-microsoft-com:office:powerpoint" xmlns:com="http://schemas.openxmlformats.org/drawingml/2006/compatibility" xmlns:p14="http://schemas.microsoft.com/office/powerpoint/2010/main" xmlns:p15="http://schemas.microsoft.com/office/powerpoint/2012/main" xmlns:ahyp="http://schemas.microsoft.com/office/drawing/2018/hyperlinkcolor" showMasterPhAnim="0" showMasterSp="0">
-  <p:cSld>
-    <p:spTree>
-      <p:nvGrpSpPr>
-        <p:cNvPr id="120" name="Shape 120"/>
-        <p:cNvGrpSpPr/>
-        <p:nvPr/>
-      </p:nvGrpSpPr>
-      <p:grpSpPr>
-        <a:xfrm>
-          <a:off x="0" y="0"/>
-          <a:ext cx="0" cy="0"/>
-          <a:chOff x="0" y="0"/>
-          <a:chExt cx="0" cy="0"/>
-        </a:xfrm>
-      </p:grpSpPr>
-      <p:sp>
-        <p:nvSpPr>
-          <p:cNvPr id="121" name="Google Shape;121;g2e04d493308_0_198:notes"/>
-          <p:cNvSpPr/>
-          <p:nvPr>
-            <p:ph idx="2" type="sldImg"/>
-          </p:nvPr>
-        </p:nvSpPr>
-        <p:spPr>
-          <a:xfrm>
-            <a:off x="381300" y="685800"/>
-            <a:ext cx="6096000" cy="3429000"/>
-          </a:xfrm>
-          <a:custGeom>
-            <a:rect b="b" l="l" r="r" t="t"/>
-            <a:pathLst>
-              <a:path extrusionOk="0" h="120000" w="120000">
-                <a:moveTo>
-                  <a:pt x="0" y="0"/>
-                </a:moveTo>
-                <a:lnTo>
-                  <a:pt x="120000" y="0"/>
-                </a:lnTo>
-                <a:lnTo>
-                  <a:pt x="120000" y="120000"/>
-                </a:lnTo>
-                <a:lnTo>
-                  <a:pt x="0" y="120000"/>
-                </a:lnTo>
-                <a:close/>
-              </a:path>
-            </a:pathLst>
-          </a:custGeom>
-        </p:spPr>
-      </p:sp>
-      <p:sp>
-        <p:nvSpPr>
-          <p:cNvPr id="122" name="Google Shape;122;g2e04d493308_0_198:notes"/>
-          <p:cNvSpPr txBox="1"/>
-          <p:nvPr>
-            <p:ph idx="1" type="body"/>
-          </p:nvPr>
-        </p:nvSpPr>
-        <p:spPr>
-          <a:xfrm>
-            <a:off x="685800" y="4343400"/>
-            <a:ext cx="5486400" cy="4114800"/>
-          </a:xfrm>
-          <a:prstGeom prst="rect">
-            <a:avLst/>
-          </a:prstGeom>
-        </p:spPr>
-        <p:txBody>
-          <a:bodyPr anchorCtr="0" anchor="t" bIns="91425" lIns="91425" spcFirstLastPara="1" rIns="91425" wrap="square" tIns="91425">
-            <a:noAutofit/>
-          </a:bodyPr>
-          <a:lstStyle/>
-          <a:p>
-            <a:pPr indent="0" lvl="0" marL="0" rtl="0" algn="l">
-              <a:spcBef>
-                <a:spcPts val="0"/>
-              </a:spcBef>
-              <a:spcAft>
-                <a:spcPts val="0"/>
-              </a:spcAft>
-              <a:buNone/>
-            </a:pPr>
-            <a:r>
-              <a:t/>
-            </a:r>
-            <a:endParaRPr/>
-          </a:p>
-        </p:txBody>
-      </p:sp>
-    </p:spTree>
-  </p:cSld>
-  <p:clrMapOvr>
-    <a:masterClrMapping/>
-  </p:clrMapOvr>
-</p:notes>
-</file>
-
 <file path=ppt/notesSlides/notesSlide2.xml><?xml version="1.0" encoding="utf-8"?>
 <p:notes xmlns:a="http://schemas.openxmlformats.org/drawingml/2006/main" xmlns:r="http://schemas.openxmlformats.org/officeDocument/2006/relationships" xmlns:mc="http://schemas.openxmlformats.org/markup-compatibility/2006" xmlns:mv="urn:schemas-microsoft-com:mac:vml" xmlns:p="http://schemas.openxmlformats.org/presentationml/2006/main" xmlns:c="http://schemas.openxmlformats.org/drawingml/2006/chart" xmlns:dgm="http://schemas.openxmlformats.org/drawingml/2006/diagram" xmlns:o="urn:schemas-microsoft-com:office:office" xmlns:v="urn:schemas-microsoft-com:vml" xmlns:pvml="urn:schemas-microsoft-com:office:powerpoint" xmlns:com="http://schemas.openxmlformats.org/drawingml/2006/compatibility" xmlns:p14="http://schemas.microsoft.com/office/powerpoint/2010/main" xmlns:p15="http://schemas.microsoft.com/office/powerpoint/2012/main" xmlns:ahyp="http://schemas.microsoft.com/office/drawing/2018/hyperlinkcolor" showMasterPhAnim="0" showMasterSp="0">
   <p:cSld>
@@ -1112,7 +1010,7 @@
   <p:cSld>
     <p:spTree>
       <p:nvGrpSpPr>
-        <p:cNvPr id="79" name="Shape 79"/>
+        <p:cNvPr id="81" name="Shape 81"/>
         <p:cNvGrpSpPr/>
         <p:nvPr/>
       </p:nvGrpSpPr>
@@ -1126,7 +1024,7 @@
       </p:grpSpPr>
       <p:sp>
         <p:nvSpPr>
-          <p:cNvPr id="80" name="Google Shape;80;g2e04d493308_0_145:notes"/>
+          <p:cNvPr id="82" name="Google Shape;82;g2e46ef366fc_0_30:notes"/>
           <p:cNvSpPr/>
           <p:nvPr>
             <p:ph idx="2" type="sldImg"/>
@@ -1161,7 +1059,7 @@
       </p:sp>
       <p:sp>
         <p:nvSpPr>
-          <p:cNvPr id="81" name="Google Shape;81;g2e04d493308_0_145:notes"/>
+          <p:cNvPr id="83" name="Google Shape;83;g2e46ef366fc_0_30:notes"/>
           <p:cNvSpPr txBox="1"/>
           <p:nvPr>
             <p:ph idx="1" type="body"/>
@@ -1211,7 +1109,7 @@
   <p:cSld>
     <p:spTree>
       <p:nvGrpSpPr>
-        <p:cNvPr id="85" name="Shape 85"/>
+        <p:cNvPr id="87" name="Shape 87"/>
         <p:cNvGrpSpPr/>
         <p:nvPr/>
       </p:nvGrpSpPr>
@@ -1225,7 +1123,7 @@
       </p:grpSpPr>
       <p:sp>
         <p:nvSpPr>
-          <p:cNvPr id="86" name="Google Shape;86;g2e04d493308_0_155:notes"/>
+          <p:cNvPr id="88" name="Google Shape;88;g2e46ef366fc_0_17:notes"/>
           <p:cNvSpPr/>
           <p:nvPr>
             <p:ph idx="2" type="sldImg"/>
@@ -1260,7 +1158,7 @@
       </p:sp>
       <p:sp>
         <p:nvSpPr>
-          <p:cNvPr id="87" name="Google Shape;87;g2e04d493308_0_155:notes"/>
+          <p:cNvPr id="89" name="Google Shape;89;g2e46ef366fc_0_17:notes"/>
           <p:cNvSpPr txBox="1"/>
           <p:nvPr>
             <p:ph idx="1" type="body"/>
@@ -1310,7 +1208,7 @@
   <p:cSld>
     <p:spTree>
       <p:nvGrpSpPr>
-        <p:cNvPr id="90" name="Shape 90"/>
+        <p:cNvPr id="94" name="Shape 94"/>
         <p:cNvGrpSpPr/>
         <p:nvPr/>
       </p:nvGrpSpPr>
@@ -1324,7 +1222,7 @@
       </p:grpSpPr>
       <p:sp>
         <p:nvSpPr>
-          <p:cNvPr id="91" name="Google Shape;91;g2e04d493308_0_161:notes"/>
+          <p:cNvPr id="95" name="Google Shape;95;g2e0515ddb57_0_0:notes"/>
           <p:cNvSpPr/>
           <p:nvPr>
             <p:ph idx="2" type="sldImg"/>
@@ -1359,7 +1257,7 @@
       </p:sp>
       <p:sp>
         <p:nvSpPr>
-          <p:cNvPr id="92" name="Google Shape;92;g2e04d493308_0_161:notes"/>
+          <p:cNvPr id="96" name="Google Shape;96;g2e0515ddb57_0_0:notes"/>
           <p:cNvSpPr txBox="1"/>
           <p:nvPr>
             <p:ph idx="1" type="body"/>
@@ -1409,7 +1307,7 @@
   <p:cSld>
     <p:spTree>
       <p:nvGrpSpPr>
-        <p:cNvPr id="98" name="Shape 98"/>
+        <p:cNvPr id="104" name="Shape 104"/>
         <p:cNvGrpSpPr/>
         <p:nvPr/>
       </p:nvGrpSpPr>
@@ -1423,7 +1321,7 @@
       </p:grpSpPr>
       <p:sp>
         <p:nvSpPr>
-          <p:cNvPr id="99" name="Google Shape;99;g2e04d493308_0_176:notes"/>
+          <p:cNvPr id="105" name="Google Shape;105;g2e04d493308_0_198:notes"/>
           <p:cNvSpPr/>
           <p:nvPr>
             <p:ph idx="2" type="sldImg"/>
@@ -1458,205 +1356,7 @@
       </p:sp>
       <p:sp>
         <p:nvSpPr>
-          <p:cNvPr id="100" name="Google Shape;100;g2e04d493308_0_176:notes"/>
-          <p:cNvSpPr txBox="1"/>
-          <p:nvPr>
-            <p:ph idx="1" type="body"/>
-          </p:nvPr>
-        </p:nvSpPr>
-        <p:spPr>
-          <a:xfrm>
-            <a:off x="685800" y="4343400"/>
-            <a:ext cx="5486400" cy="4114800"/>
-          </a:xfrm>
-          <a:prstGeom prst="rect">
-            <a:avLst/>
-          </a:prstGeom>
-        </p:spPr>
-        <p:txBody>
-          <a:bodyPr anchorCtr="0" anchor="t" bIns="91425" lIns="91425" spcFirstLastPara="1" rIns="91425" wrap="square" tIns="91425">
-            <a:noAutofit/>
-          </a:bodyPr>
-          <a:lstStyle/>
-          <a:p>
-            <a:pPr indent="0" lvl="0" marL="0" rtl="0" algn="l">
-              <a:spcBef>
-                <a:spcPts val="0"/>
-              </a:spcBef>
-              <a:spcAft>
-                <a:spcPts val="0"/>
-              </a:spcAft>
-              <a:buNone/>
-            </a:pPr>
-            <a:r>
-              <a:t/>
-            </a:r>
-            <a:endParaRPr/>
-          </a:p>
-        </p:txBody>
-      </p:sp>
-    </p:spTree>
-  </p:cSld>
-  <p:clrMapOvr>
-    <a:masterClrMapping/>
-  </p:clrMapOvr>
-</p:notes>
-</file>
-
-<file path=ppt/notesSlides/notesSlide8.xml><?xml version="1.0" encoding="utf-8"?>
-<p:notes xmlns:a="http://schemas.openxmlformats.org/drawingml/2006/main" xmlns:r="http://schemas.openxmlformats.org/officeDocument/2006/relationships" xmlns:mc="http://schemas.openxmlformats.org/markup-compatibility/2006" xmlns:mv="urn:schemas-microsoft-com:mac:vml" xmlns:p="http://schemas.openxmlformats.org/presentationml/2006/main" xmlns:c="http://schemas.openxmlformats.org/drawingml/2006/chart" xmlns:dgm="http://schemas.openxmlformats.org/drawingml/2006/diagram" xmlns:o="urn:schemas-microsoft-com:office:office" xmlns:v="urn:schemas-microsoft-com:vml" xmlns:pvml="urn:schemas-microsoft-com:office:powerpoint" xmlns:com="http://schemas.openxmlformats.org/drawingml/2006/compatibility" xmlns:p14="http://schemas.microsoft.com/office/powerpoint/2010/main" xmlns:p15="http://schemas.microsoft.com/office/powerpoint/2012/main" xmlns:ahyp="http://schemas.microsoft.com/office/drawing/2018/hyperlinkcolor" showMasterPhAnim="0" showMasterSp="0">
-  <p:cSld>
-    <p:spTree>
-      <p:nvGrpSpPr>
-        <p:cNvPr id="105" name="Shape 105"/>
-        <p:cNvGrpSpPr/>
-        <p:nvPr/>
-      </p:nvGrpSpPr>
-      <p:grpSpPr>
-        <a:xfrm>
-          <a:off x="0" y="0"/>
-          <a:ext cx="0" cy="0"/>
-          <a:chOff x="0" y="0"/>
-          <a:chExt cx="0" cy="0"/>
-        </a:xfrm>
-      </p:grpSpPr>
-      <p:sp>
-        <p:nvSpPr>
-          <p:cNvPr id="106" name="Google Shape;106;g2e0515ddb57_0_0:notes"/>
-          <p:cNvSpPr/>
-          <p:nvPr>
-            <p:ph idx="2" type="sldImg"/>
-          </p:nvPr>
-        </p:nvSpPr>
-        <p:spPr>
-          <a:xfrm>
-            <a:off x="381300" y="685800"/>
-            <a:ext cx="6096000" cy="3429000"/>
-          </a:xfrm>
-          <a:custGeom>
-            <a:rect b="b" l="l" r="r" t="t"/>
-            <a:pathLst>
-              <a:path extrusionOk="0" h="120000" w="120000">
-                <a:moveTo>
-                  <a:pt x="0" y="0"/>
-                </a:moveTo>
-                <a:lnTo>
-                  <a:pt x="120000" y="0"/>
-                </a:lnTo>
-                <a:lnTo>
-                  <a:pt x="120000" y="120000"/>
-                </a:lnTo>
-                <a:lnTo>
-                  <a:pt x="0" y="120000"/>
-                </a:lnTo>
-                <a:close/>
-              </a:path>
-            </a:pathLst>
-          </a:custGeom>
-        </p:spPr>
-      </p:sp>
-      <p:sp>
-        <p:nvSpPr>
-          <p:cNvPr id="107" name="Google Shape;107;g2e0515ddb57_0_0:notes"/>
-          <p:cNvSpPr txBox="1"/>
-          <p:nvPr>
-            <p:ph idx="1" type="body"/>
-          </p:nvPr>
-        </p:nvSpPr>
-        <p:spPr>
-          <a:xfrm>
-            <a:off x="685800" y="4343400"/>
-            <a:ext cx="5486400" cy="4114800"/>
-          </a:xfrm>
-          <a:prstGeom prst="rect">
-            <a:avLst/>
-          </a:prstGeom>
-        </p:spPr>
-        <p:txBody>
-          <a:bodyPr anchorCtr="0" anchor="t" bIns="91425" lIns="91425" spcFirstLastPara="1" rIns="91425" wrap="square" tIns="91425">
-            <a:noAutofit/>
-          </a:bodyPr>
-          <a:lstStyle/>
-          <a:p>
-            <a:pPr indent="0" lvl="0" marL="0" rtl="0" algn="l">
-              <a:spcBef>
-                <a:spcPts val="0"/>
-              </a:spcBef>
-              <a:spcAft>
-                <a:spcPts val="0"/>
-              </a:spcAft>
-              <a:buNone/>
-            </a:pPr>
-            <a:r>
-              <a:t/>
-            </a:r>
-            <a:endParaRPr/>
-          </a:p>
-        </p:txBody>
-      </p:sp>
-    </p:spTree>
-  </p:cSld>
-  <p:clrMapOvr>
-    <a:masterClrMapping/>
-  </p:clrMapOvr>
-</p:notes>
-</file>
-
-<file path=ppt/notesSlides/notesSlide9.xml><?xml version="1.0" encoding="utf-8"?>
-<p:notes xmlns:a="http://schemas.openxmlformats.org/drawingml/2006/main" xmlns:r="http://schemas.openxmlformats.org/officeDocument/2006/relationships" xmlns:mc="http://schemas.openxmlformats.org/markup-compatibility/2006" xmlns:mv="urn:schemas-microsoft-com:mac:vml" xmlns:p="http://schemas.openxmlformats.org/presentationml/2006/main" xmlns:c="http://schemas.openxmlformats.org/drawingml/2006/chart" xmlns:dgm="http://schemas.openxmlformats.org/drawingml/2006/diagram" xmlns:o="urn:schemas-microsoft-com:office:office" xmlns:v="urn:schemas-microsoft-com:vml" xmlns:pvml="urn:schemas-microsoft-com:office:powerpoint" xmlns:com="http://schemas.openxmlformats.org/drawingml/2006/compatibility" xmlns:p14="http://schemas.microsoft.com/office/powerpoint/2010/main" xmlns:p15="http://schemas.microsoft.com/office/powerpoint/2012/main" xmlns:ahyp="http://schemas.microsoft.com/office/drawing/2018/hyperlinkcolor" showMasterPhAnim="0" showMasterSp="0">
-  <p:cSld>
-    <p:spTree>
-      <p:nvGrpSpPr>
-        <p:cNvPr id="113" name="Shape 113"/>
-        <p:cNvGrpSpPr/>
-        <p:nvPr/>
-      </p:nvGrpSpPr>
-      <p:grpSpPr>
-        <a:xfrm>
-          <a:off x="0" y="0"/>
-          <a:ext cx="0" cy="0"/>
-          <a:chOff x="0" y="0"/>
-          <a:chExt cx="0" cy="0"/>
-        </a:xfrm>
-      </p:grpSpPr>
-      <p:sp>
-        <p:nvSpPr>
-          <p:cNvPr id="114" name="Google Shape;114;g2e04d493308_0_190:notes"/>
-          <p:cNvSpPr/>
-          <p:nvPr>
-            <p:ph idx="2" type="sldImg"/>
-          </p:nvPr>
-        </p:nvSpPr>
-        <p:spPr>
-          <a:xfrm>
-            <a:off x="381300" y="685800"/>
-            <a:ext cx="6096000" cy="3429000"/>
-          </a:xfrm>
-          <a:custGeom>
-            <a:rect b="b" l="l" r="r" t="t"/>
-            <a:pathLst>
-              <a:path extrusionOk="0" h="120000" w="120000">
-                <a:moveTo>
-                  <a:pt x="0" y="0"/>
-                </a:moveTo>
-                <a:lnTo>
-                  <a:pt x="120000" y="0"/>
-                </a:lnTo>
-                <a:lnTo>
-                  <a:pt x="120000" y="120000"/>
-                </a:lnTo>
-                <a:lnTo>
-                  <a:pt x="0" y="120000"/>
-                </a:lnTo>
-                <a:close/>
-              </a:path>
-            </a:pathLst>
-          </a:custGeom>
-        </p:spPr>
-      </p:sp>
-      <p:sp>
-        <p:nvSpPr>
-          <p:cNvPr id="115" name="Google Shape;115;g2e04d493308_0_190:notes"/>
+          <p:cNvPr id="106" name="Google Shape;106;g2e04d493308_0_198:notes"/>
           <p:cNvSpPr txBox="1"/>
           <p:nvPr>
             <p:ph idx="1" type="body"/>
@@ -7895,129 +7595,6 @@
 </p:sld>
 </file>
 
-<file path=ppt/slides/slide10.xml><?xml version="1.0" encoding="utf-8"?>
-<p:sld xmlns:a="http://schemas.openxmlformats.org/drawingml/2006/main" xmlns:r="http://schemas.openxmlformats.org/officeDocument/2006/relationships" xmlns:mc="http://schemas.openxmlformats.org/markup-compatibility/2006" xmlns:mv="urn:schemas-microsoft-com:mac:vml" xmlns:p="http://schemas.openxmlformats.org/presentationml/2006/main" xmlns:c="http://schemas.openxmlformats.org/drawingml/2006/chart" xmlns:dgm="http://schemas.openxmlformats.org/drawingml/2006/diagram" xmlns:o="urn:schemas-microsoft-com:office:office" xmlns:v="urn:schemas-microsoft-com:vml" xmlns:pvml="urn:schemas-microsoft-com:office:powerpoint" xmlns:com="http://schemas.openxmlformats.org/drawingml/2006/compatibility" xmlns:p14="http://schemas.microsoft.com/office/powerpoint/2010/main" xmlns:p15="http://schemas.microsoft.com/office/powerpoint/2012/main" xmlns:ahyp="http://schemas.microsoft.com/office/drawing/2018/hyperlinkcolor">
-  <p:cSld>
-    <p:spTree>
-      <p:nvGrpSpPr>
-        <p:cNvPr id="123" name="Shape 123"/>
-        <p:cNvGrpSpPr/>
-        <p:nvPr/>
-      </p:nvGrpSpPr>
-      <p:grpSpPr>
-        <a:xfrm>
-          <a:off x="0" y="0"/>
-          <a:ext cx="0" cy="0"/>
-          <a:chOff x="0" y="0"/>
-          <a:chExt cx="0" cy="0"/>
-        </a:xfrm>
-      </p:grpSpPr>
-      <p:sp>
-        <p:nvSpPr>
-          <p:cNvPr id="124" name="Google Shape;124;p22"/>
-          <p:cNvSpPr txBox="1"/>
-          <p:nvPr>
-            <p:ph type="title"/>
-          </p:nvPr>
-        </p:nvSpPr>
-        <p:spPr>
-          <a:xfrm>
-            <a:off x="311725" y="500925"/>
-            <a:ext cx="8520600" cy="623700"/>
-          </a:xfrm>
-          <a:prstGeom prst="rect">
-            <a:avLst/>
-          </a:prstGeom>
-        </p:spPr>
-        <p:txBody>
-          <a:bodyPr anchorCtr="0" anchor="t" bIns="91425" lIns="91425" spcFirstLastPara="1" rIns="91425" wrap="square" tIns="91425">
-            <a:normAutofit/>
-          </a:bodyPr>
-          <a:lstStyle/>
-          <a:p>
-            <a:pPr indent="0" lvl="0" marL="0" rtl="0" algn="l">
-              <a:spcBef>
-                <a:spcPts val="0"/>
-              </a:spcBef>
-              <a:spcAft>
-                <a:spcPts val="0"/>
-              </a:spcAft>
-              <a:buNone/>
-            </a:pPr>
-            <a:r>
-              <a:rPr lang="ro"/>
-              <a:t>Concluzie</a:t>
-            </a:r>
-            <a:endParaRPr/>
-          </a:p>
-        </p:txBody>
-      </p:sp>
-      <p:sp>
-        <p:nvSpPr>
-          <p:cNvPr id="125" name="Google Shape;125;p22"/>
-          <p:cNvSpPr txBox="1"/>
-          <p:nvPr/>
-        </p:nvSpPr>
-        <p:spPr>
-          <a:xfrm>
-            <a:off x="437750" y="1444550"/>
-            <a:ext cx="8520600" cy="384900"/>
-          </a:xfrm>
-          <a:prstGeom prst="rect">
-            <a:avLst/>
-          </a:prstGeom>
-          <a:noFill/>
-          <a:ln>
-            <a:noFill/>
-          </a:ln>
-        </p:spPr>
-        <p:txBody>
-          <a:bodyPr anchorCtr="0" anchor="t" bIns="91425" lIns="91425" spcFirstLastPara="1" rIns="91425" wrap="square" tIns="91425">
-            <a:spAutoFit/>
-          </a:bodyPr>
-          <a:lstStyle/>
-          <a:p>
-            <a:pPr indent="0" lvl="0" marL="0" rtl="0" algn="l">
-              <a:spcBef>
-                <a:spcPts val="0"/>
-              </a:spcBef>
-              <a:spcAft>
-                <a:spcPts val="0"/>
-              </a:spcAft>
-              <a:buNone/>
-            </a:pPr>
-            <a:r>
-              <a:rPr lang="ro" sz="1300">
-                <a:solidFill>
-                  <a:schemeClr val="dk2"/>
-                </a:solidFill>
-                <a:latin typeface="Roboto"/>
-                <a:ea typeface="Roboto"/>
-                <a:cs typeface="Roboto"/>
-                <a:sym typeface="Roboto"/>
-              </a:rPr>
-              <a:t>	In concluzie, testele acopera toate functionalitatile aplicatiei si toate testele efectuate au trecut.</a:t>
-            </a:r>
-            <a:endParaRPr sz="1300">
-              <a:solidFill>
-                <a:schemeClr val="dk2"/>
-              </a:solidFill>
-              <a:latin typeface="Roboto"/>
-              <a:ea typeface="Roboto"/>
-              <a:cs typeface="Roboto"/>
-              <a:sym typeface="Roboto"/>
-            </a:endParaRPr>
-          </a:p>
-        </p:txBody>
-      </p:sp>
-    </p:spTree>
-  </p:cSld>
-  <p:clrMapOvr>
-    <a:masterClrMapping/>
-  </p:clrMapOvr>
-</p:sld>
-</file>
-
 <file path=ppt/slides/slide2.xml><?xml version="1.0" encoding="utf-8"?>
 <p:sld xmlns:a="http://schemas.openxmlformats.org/drawingml/2006/main" xmlns:r="http://schemas.openxmlformats.org/officeDocument/2006/relationships" xmlns:mc="http://schemas.openxmlformats.org/markup-compatibility/2006" xmlns:mv="urn:schemas-microsoft-com:mac:vml" xmlns:p="http://schemas.openxmlformats.org/presentationml/2006/main" xmlns:c="http://schemas.openxmlformats.org/drawingml/2006/chart" xmlns:dgm="http://schemas.openxmlformats.org/drawingml/2006/diagram" xmlns:o="urn:schemas-microsoft-com:office:office" xmlns:v="urn:schemas-microsoft-com:vml" xmlns:pvml="urn:schemas-microsoft-com:office:powerpoint" xmlns:com="http://schemas.openxmlformats.org/drawingml/2006/compatibility" xmlns:p14="http://schemas.microsoft.com/office/powerpoint/2010/main" xmlns:p15="http://schemas.microsoft.com/office/powerpoint/2012/main" xmlns:ahyp="http://schemas.microsoft.com/office/drawing/2018/hyperlinkcolor">
   <p:cSld>
@@ -8098,25 +7675,9 @@
           </a:bodyPr>
           <a:lstStyle/>
           <a:p>
-            <a:pPr indent="0" lvl="0" marL="0" rtl="0" algn="l">
-              <a:spcBef>
-                <a:spcPts val="0"/>
-              </a:spcBef>
-              <a:spcAft>
-                <a:spcPts val="0"/>
-              </a:spcAft>
-              <a:buNone/>
-            </a:pPr>
-            <a:r>
-              <a:rPr lang="ro"/>
-              <a:t>Aplicatia este un calculator care are urmatoarele functionalitati :</a:t>
-            </a:r>
-            <a:endParaRPr/>
-          </a:p>
-          <a:p>
-            <a:pPr indent="0" lvl="0" marL="0" rtl="0" algn="l">
-              <a:spcBef>
-                <a:spcPts val="1200"/>
+            <a:pPr indent="0" lvl="0" marL="457200" rtl="0" algn="l">
+              <a:spcBef>
+                <a:spcPts val="0"/>
               </a:spcBef>
               <a:spcAft>
                 <a:spcPts val="0"/>
@@ -8126,107 +7687,83 @@
             <a:r>
               <a:t/>
             </a:r>
-            <a:endParaRPr/>
+            <a:endParaRPr sz="1200">
+              <a:solidFill>
+                <a:srgbClr val="000000"/>
+              </a:solidFill>
+              <a:latin typeface="Arial"/>
+              <a:ea typeface="Arial"/>
+              <a:cs typeface="Arial"/>
+              <a:sym typeface="Arial"/>
+            </a:endParaRPr>
           </a:p>
           <a:p>
-            <a:pPr indent="-311150" lvl="0" marL="457200" rtl="0" algn="l">
-              <a:spcBef>
-                <a:spcPts val="1200"/>
-              </a:spcBef>
-              <a:spcAft>
-                <a:spcPts val="0"/>
-              </a:spcAft>
-              <a:buSzPts val="1300"/>
-              <a:buAutoNum type="arabicPeriod"/>
+            <a:pPr indent="0" lvl="0" marL="457200" rtl="0" algn="l">
+              <a:spcBef>
+                <a:spcPts val="0"/>
+              </a:spcBef>
+              <a:spcAft>
+                <a:spcPts val="0"/>
+              </a:spcAft>
+              <a:buNone/>
             </a:pPr>
             <a:r>
-              <a:rPr lang="ro"/>
-              <a:t>Aduncare</a:t>
+              <a:t/>
             </a:r>
-            <a:endParaRPr/>
+            <a:endParaRPr sz="1200">
+              <a:solidFill>
+                <a:srgbClr val="000000"/>
+              </a:solidFill>
+              <a:latin typeface="Arial"/>
+              <a:ea typeface="Arial"/>
+              <a:cs typeface="Arial"/>
+              <a:sym typeface="Arial"/>
+            </a:endParaRPr>
           </a:p>
           <a:p>
-            <a:pPr indent="-311150" lvl="0" marL="457200" rtl="0" algn="l">
-              <a:spcBef>
-                <a:spcPts val="0"/>
-              </a:spcBef>
-              <a:spcAft>
-                <a:spcPts val="0"/>
-              </a:spcAft>
-              <a:buSzPts val="1300"/>
-              <a:buAutoNum type="arabicPeriod"/>
+            <a:pPr indent="0" lvl="0" marL="457200" rtl="0" algn="l">
+              <a:spcBef>
+                <a:spcPts val="0"/>
+              </a:spcBef>
+              <a:spcAft>
+                <a:spcPts val="0"/>
+              </a:spcAft>
+              <a:buNone/>
             </a:pPr>
             <a:r>
-              <a:rPr lang="ro"/>
-              <a:t>Scadere</a:t>
+              <a:t/>
             </a:r>
-            <a:endParaRPr/>
+            <a:endParaRPr sz="1200">
+              <a:solidFill>
+                <a:srgbClr val="000000"/>
+              </a:solidFill>
+              <a:latin typeface="Arial"/>
+              <a:ea typeface="Arial"/>
+              <a:cs typeface="Arial"/>
+              <a:sym typeface="Arial"/>
+            </a:endParaRPr>
           </a:p>
           <a:p>
-            <a:pPr indent="-311150" lvl="0" marL="457200" rtl="0" algn="l">
-              <a:spcBef>
-                <a:spcPts val="0"/>
-              </a:spcBef>
-              <a:spcAft>
-                <a:spcPts val="0"/>
-              </a:spcAft>
-              <a:buSzPts val="1300"/>
-              <a:buAutoNum type="arabicPeriod"/>
+            <a:pPr indent="0" lvl="0" marL="457200" rtl="0" algn="l">
+              <a:spcBef>
+                <a:spcPts val="0"/>
+              </a:spcBef>
+              <a:spcAft>
+                <a:spcPts val="0"/>
+              </a:spcAft>
+              <a:buNone/>
             </a:pPr>
             <a:r>
-              <a:rPr lang="ro"/>
-              <a:t>Inmultire</a:t>
-            </a:r>
-            <a:endParaRPr/>
-          </a:p>
-          <a:p>
-            <a:pPr indent="-311150" lvl="0" marL="457200" rtl="0" algn="l">
-              <a:spcBef>
-                <a:spcPts val="0"/>
-              </a:spcBef>
-              <a:spcAft>
-                <a:spcPts val="0"/>
-              </a:spcAft>
-              <a:buSzPts val="1300"/>
-              <a:buAutoNum type="arabicPeriod"/>
-            </a:pPr>
-            <a:r>
-              <a:rPr lang="ro"/>
-              <a:t>Impartire</a:t>
-            </a:r>
-            <a:endParaRPr/>
-          </a:p>
-          <a:p>
-            <a:pPr indent="-311150" lvl="0" marL="457200" rtl="0" algn="l">
-              <a:spcBef>
-                <a:spcPts val="0"/>
-              </a:spcBef>
-              <a:spcAft>
-                <a:spcPts val="0"/>
-              </a:spcAft>
-              <a:buSzPts val="1300"/>
-              <a:buAutoNum type="arabicPeriod"/>
-            </a:pPr>
-            <a:r>
-              <a:rPr lang="ro"/>
-              <a:t>Rotunjire</a:t>
-            </a:r>
-            <a:endParaRPr/>
-          </a:p>
-          <a:p>
-            <a:pPr indent="-311150" lvl="0" marL="457200" rtl="0" algn="l">
-              <a:spcBef>
-                <a:spcPts val="0"/>
-              </a:spcBef>
-              <a:spcAft>
-                <a:spcPts val="0"/>
-              </a:spcAft>
-              <a:buSzPts val="1300"/>
-              <a:buAutoNum type="arabicPeriod"/>
-            </a:pPr>
-            <a:r>
-              <a:rPr lang="ro"/>
-              <a:t>Buton de Clear</a:t>
+              <a:rPr lang="ro" sz="1200">
+                <a:solidFill>
+                  <a:srgbClr val="000000"/>
+                </a:solidFill>
+                <a:latin typeface="Arial"/>
+                <a:ea typeface="Arial"/>
+                <a:cs typeface="Arial"/>
+                <a:sym typeface="Arial"/>
+              </a:rPr>
+              <a:t>Aplicatia noastra este un calculator si functionalitatile sunt operatiile de adunare, scadere, inmultire si impartire, rotunjirea unui numar si stergerea informatiilor de pe display.</a:t>
             </a:r>
             <a:endParaRPr/>
           </a:p>
@@ -8297,9 +7834,62 @@
           </a:p>
         </p:txBody>
       </p:sp>
+      <p:sp>
+        <p:nvSpPr>
+          <p:cNvPr id="77" name="Google Shape;77;p15"/>
+          <p:cNvSpPr txBox="1"/>
+          <p:nvPr/>
+        </p:nvSpPr>
+        <p:spPr>
+          <a:xfrm>
+            <a:off x="393975" y="1364300"/>
+            <a:ext cx="4202400" cy="581700"/>
+          </a:xfrm>
+          <a:prstGeom prst="rect">
+            <a:avLst/>
+          </a:prstGeom>
+          <a:noFill/>
+          <a:ln>
+            <a:noFill/>
+          </a:ln>
+        </p:spPr>
+        <p:txBody>
+          <a:bodyPr anchorCtr="0" anchor="t" bIns="91425" lIns="91425" spcFirstLastPara="1" rIns="91425" wrap="square" tIns="91425">
+            <a:spAutoFit/>
+          </a:bodyPr>
+          <a:lstStyle/>
+          <a:p>
+            <a:pPr indent="0" lvl="0" marL="0" rtl="0" algn="l">
+              <a:lnSpc>
+                <a:spcPct val="115000"/>
+              </a:lnSpc>
+              <a:spcBef>
+                <a:spcPts val="0"/>
+              </a:spcBef>
+              <a:spcAft>
+                <a:spcPts val="0"/>
+              </a:spcAft>
+              <a:buNone/>
+            </a:pPr>
+            <a:r>
+              <a:rPr lang="ro" sz="1200"/>
+              <a:t>Pentru testarea functionala am folosit metoda grafului cauza-efect.</a:t>
+            </a:r>
+            <a:endParaRPr sz="1300">
+              <a:solidFill>
+                <a:schemeClr val="dk2"/>
+              </a:solidFill>
+              <a:latin typeface="Roboto"/>
+              <a:ea typeface="Roboto"/>
+              <a:cs typeface="Roboto"/>
+              <a:sym typeface="Roboto"/>
+            </a:endParaRPr>
+          </a:p>
+        </p:txBody>
+      </p:sp>
       <p:pic>
         <p:nvPicPr>
-          <p:cNvPr id="77" name="Google Shape;77;p15"/>
+          <p:cNvPr id="78" name="Google Shape;78;p15"/>
           <p:cNvPicPr preferRelativeResize="0"/>
           <p:nvPr/>
         </p:nvPicPr>
@@ -8313,8 +7903,8 @@
         </p:blipFill>
         <p:spPr>
           <a:xfrm>
-            <a:off x="65674" y="1276750"/>
-            <a:ext cx="4208439" cy="3815676"/>
+            <a:off x="4243150" y="1946000"/>
+            <a:ext cx="4780450" cy="3112850"/>
           </a:xfrm>
           <a:prstGeom prst="rect">
             <a:avLst/>
@@ -8325,24 +7915,16 @@
           </a:ln>
         </p:spPr>
       </p:pic>
-      <p:pic>
-        <p:nvPicPr>
-          <p:cNvPr id="78" name="Google Shape;78;p15"/>
-          <p:cNvPicPr preferRelativeResize="0"/>
+      <p:sp>
+        <p:nvSpPr>
+          <p:cNvPr id="79" name="Google Shape;79;p15"/>
+          <p:cNvSpPr txBox="1"/>
           <p:nvPr/>
-        </p:nvPicPr>
-        <p:blipFill>
-          <a:blip r:embed="rId4">
-            <a:alphaModFix/>
-          </a:blip>
-          <a:stretch>
-            <a:fillRect/>
-          </a:stretch>
-        </p:blipFill>
+        </p:nvSpPr>
         <p:spPr>
           <a:xfrm>
-            <a:off x="4376258" y="1276750"/>
-            <a:ext cx="4413142" cy="3815675"/>
+            <a:off x="5645550" y="1663425"/>
+            <a:ext cx="3969000" cy="585000"/>
           </a:xfrm>
           <a:prstGeom prst="rect">
             <a:avLst/>
@@ -8352,7 +7934,249 @@
             <a:noFill/>
           </a:ln>
         </p:spPr>
-      </p:pic>
+        <p:txBody>
+          <a:bodyPr anchorCtr="0" anchor="t" bIns="91425" lIns="91425" spcFirstLastPara="1" rIns="91425" wrap="square" tIns="91425">
+            <a:spAutoFit/>
+          </a:bodyPr>
+          <a:lstStyle/>
+          <a:p>
+            <a:pPr indent="0" lvl="0" marL="0" rtl="0" algn="l">
+              <a:spcBef>
+                <a:spcPts val="0"/>
+              </a:spcBef>
+              <a:spcAft>
+                <a:spcPts val="0"/>
+              </a:spcAft>
+              <a:buNone/>
+            </a:pPr>
+            <a:r>
+              <a:rPr lang="ro" sz="1300">
+                <a:solidFill>
+                  <a:schemeClr val="dk2"/>
+                </a:solidFill>
+                <a:latin typeface="Roboto"/>
+                <a:ea typeface="Roboto"/>
+                <a:cs typeface="Roboto"/>
+                <a:sym typeface="Roboto"/>
+              </a:rPr>
+              <a:t>Graful</a:t>
+            </a:r>
+            <a:r>
+              <a:rPr lang="ro" sz="1300">
+                <a:solidFill>
+                  <a:schemeClr val="dk2"/>
+                </a:solidFill>
+                <a:latin typeface="Roboto"/>
+                <a:ea typeface="Roboto"/>
+                <a:cs typeface="Roboto"/>
+                <a:sym typeface="Roboto"/>
+              </a:rPr>
+              <a:t> Cauza-Efect</a:t>
+            </a:r>
+            <a:endParaRPr sz="1300">
+              <a:solidFill>
+                <a:schemeClr val="dk2"/>
+              </a:solidFill>
+              <a:latin typeface="Roboto"/>
+              <a:ea typeface="Roboto"/>
+              <a:cs typeface="Roboto"/>
+              <a:sym typeface="Roboto"/>
+            </a:endParaRPr>
+          </a:p>
+          <a:p>
+            <a:pPr indent="0" lvl="0" marL="0" rtl="0" algn="l">
+              <a:spcBef>
+                <a:spcPts val="0"/>
+              </a:spcBef>
+              <a:spcAft>
+                <a:spcPts val="0"/>
+              </a:spcAft>
+              <a:buNone/>
+            </a:pPr>
+            <a:r>
+              <a:t/>
+            </a:r>
+            <a:endParaRPr sz="1300">
+              <a:solidFill>
+                <a:schemeClr val="dk2"/>
+              </a:solidFill>
+              <a:latin typeface="Roboto"/>
+              <a:ea typeface="Roboto"/>
+              <a:cs typeface="Roboto"/>
+              <a:sym typeface="Roboto"/>
+            </a:endParaRPr>
+          </a:p>
+        </p:txBody>
+      </p:sp>
+      <p:sp>
+        <p:nvSpPr>
+          <p:cNvPr id="80" name="Google Shape;80;p15"/>
+          <p:cNvSpPr txBox="1"/>
+          <p:nvPr/>
+        </p:nvSpPr>
+        <p:spPr>
+          <a:xfrm>
+            <a:off x="393975" y="2035575"/>
+            <a:ext cx="4202400" cy="2933700"/>
+          </a:xfrm>
+          <a:prstGeom prst="rect">
+            <a:avLst/>
+          </a:prstGeom>
+          <a:noFill/>
+          <a:ln>
+            <a:noFill/>
+          </a:ln>
+        </p:spPr>
+        <p:txBody>
+          <a:bodyPr anchorCtr="0" anchor="t" bIns="91425" lIns="91425" spcFirstLastPara="1" rIns="91425" wrap="square" tIns="91425">
+            <a:spAutoFit/>
+          </a:bodyPr>
+          <a:lstStyle/>
+          <a:p>
+            <a:pPr indent="-304800" lvl="0" marL="457200" rtl="0" algn="l">
+              <a:lnSpc>
+                <a:spcPct val="115000"/>
+              </a:lnSpc>
+              <a:spcBef>
+                <a:spcPts val="0"/>
+              </a:spcBef>
+              <a:spcAft>
+                <a:spcPts val="0"/>
+              </a:spcAft>
+              <a:buSzPts val="1200"/>
+              <a:buChar char="●"/>
+            </a:pPr>
+            <a:r>
+              <a:rPr lang="ro" sz="1200"/>
+              <a:t>C1 → Ef1 (Apasarea unui buton numeric afiseaza numarul)</a:t>
+            </a:r>
+            <a:endParaRPr sz="1200"/>
+          </a:p>
+          <a:p>
+            <a:pPr indent="-304800" lvl="0" marL="457200" rtl="0" algn="l">
+              <a:lnSpc>
+                <a:spcPct val="115000"/>
+              </a:lnSpc>
+              <a:spcBef>
+                <a:spcPts val="0"/>
+              </a:spcBef>
+              <a:spcAft>
+                <a:spcPts val="0"/>
+              </a:spcAft>
+              <a:buSzPts val="1200"/>
+              <a:buChar char="●"/>
+            </a:pPr>
+            <a:r>
+              <a:rPr lang="ro" sz="1200"/>
+              <a:t>C2, C3, C4, C5 → Ef2 (Apasarea unui operator afiseaza operatorul)</a:t>
+            </a:r>
+            <a:endParaRPr sz="1200"/>
+          </a:p>
+          <a:p>
+            <a:pPr indent="-304800" lvl="0" marL="457200" rtl="0" algn="l">
+              <a:lnSpc>
+                <a:spcPct val="115000"/>
+              </a:lnSpc>
+              <a:spcBef>
+                <a:spcPts val="0"/>
+              </a:spcBef>
+              <a:spcAft>
+                <a:spcPts val="0"/>
+              </a:spcAft>
+              <a:buSzPts val="1200"/>
+              <a:buChar char="●"/>
+            </a:pPr>
+            <a:r>
+              <a:rPr lang="ro" sz="1200"/>
+              <a:t>C6 → Ef3, Ef7, Ef8 (Apasarea "=" calculeaza și afisează rezultatul - Ef3, sau "ERROR" pentru expresii invalide -Ef7 , sau "UNDEFINED" pentru diviziune la zero - Ef8)</a:t>
+            </a:r>
+            <a:endParaRPr sz="1200"/>
+          </a:p>
+          <a:p>
+            <a:pPr indent="-304800" lvl="0" marL="457200" rtl="0" algn="l">
+              <a:lnSpc>
+                <a:spcPct val="115000"/>
+              </a:lnSpc>
+              <a:spcBef>
+                <a:spcPts val="0"/>
+              </a:spcBef>
+              <a:spcAft>
+                <a:spcPts val="0"/>
+              </a:spcAft>
+              <a:buSzPts val="1200"/>
+              <a:buChar char="●"/>
+            </a:pPr>
+            <a:r>
+              <a:rPr lang="ro" sz="1200"/>
+              <a:t>C7 → Ef4 (Apasarea "Clear" reseteaza afisajul)</a:t>
+            </a:r>
+            <a:endParaRPr sz="1200"/>
+          </a:p>
+          <a:p>
+            <a:pPr indent="-304800" lvl="0" marL="457200" rtl="0" algn="l">
+              <a:lnSpc>
+                <a:spcPct val="115000"/>
+              </a:lnSpc>
+              <a:spcBef>
+                <a:spcPts val="0"/>
+              </a:spcBef>
+              <a:spcAft>
+                <a:spcPts val="0"/>
+              </a:spcAft>
+              <a:buSzPts val="1200"/>
+              <a:buChar char="●"/>
+            </a:pPr>
+            <a:r>
+              <a:rPr lang="ro" sz="1200"/>
+              <a:t>C8 → Ef5 (Apasarea "." adauga un punct decimal)</a:t>
+            </a:r>
+            <a:endParaRPr sz="1200"/>
+          </a:p>
+          <a:p>
+            <a:pPr indent="-304800" lvl="0" marL="457200" rtl="0" algn="l">
+              <a:lnSpc>
+                <a:spcPct val="115000"/>
+              </a:lnSpc>
+              <a:spcBef>
+                <a:spcPts val="0"/>
+              </a:spcBef>
+              <a:spcAft>
+                <a:spcPts val="0"/>
+              </a:spcAft>
+              <a:buSzPts val="1200"/>
+              <a:buChar char="●"/>
+            </a:pPr>
+            <a:r>
+              <a:rPr lang="ro" sz="1200"/>
+              <a:t>C9 → Ef6 (Apasarea "round" rotunjeste numărul afisat)</a:t>
+            </a:r>
+            <a:endParaRPr sz="1200"/>
+          </a:p>
+          <a:p>
+            <a:pPr indent="0" lvl="0" marL="0" rtl="0" algn="l">
+              <a:spcBef>
+                <a:spcPts val="0"/>
+              </a:spcBef>
+              <a:spcAft>
+                <a:spcPts val="0"/>
+              </a:spcAft>
+              <a:buNone/>
+            </a:pPr>
+            <a:r>
+              <a:t/>
+            </a:r>
+            <a:endParaRPr sz="1300">
+              <a:solidFill>
+                <a:schemeClr val="dk2"/>
+              </a:solidFill>
+              <a:latin typeface="Roboto"/>
+              <a:ea typeface="Roboto"/>
+              <a:cs typeface="Roboto"/>
+              <a:sym typeface="Roboto"/>
+            </a:endParaRPr>
+          </a:p>
+        </p:txBody>
+      </p:sp>
     </p:spTree>
   </p:cSld>
   <p:clrMapOvr>
@@ -8366,7 +8190,7 @@
   <p:cSld>
     <p:spTree>
       <p:nvGrpSpPr>
-        <p:cNvPr id="82" name="Shape 82"/>
+        <p:cNvPr id="84" name="Shape 84"/>
         <p:cNvGrpSpPr/>
         <p:nvPr/>
       </p:nvGrpSpPr>
@@ -8380,7 +8204,7 @@
       </p:grpSpPr>
       <p:pic>
         <p:nvPicPr>
-          <p:cNvPr id="83" name="Google Shape;83;p16"/>
+          <p:cNvPr id="85" name="Google Shape;85;p16"/>
           <p:cNvPicPr preferRelativeResize="0"/>
           <p:nvPr/>
         </p:nvPicPr>
@@ -8394,8 +8218,8 @@
         </p:blipFill>
         <p:spPr>
           <a:xfrm>
-            <a:off x="167800" y="1387651"/>
-            <a:ext cx="3872425" cy="3668300"/>
+            <a:off x="152400" y="152400"/>
+            <a:ext cx="4471205" cy="4838701"/>
           </a:xfrm>
           <a:prstGeom prst="rect">
             <a:avLst/>
@@ -8406,24 +8230,16 @@
           </a:ln>
         </p:spPr>
       </p:pic>
-      <p:pic>
-        <p:nvPicPr>
-          <p:cNvPr id="84" name="Google Shape;84;p16"/>
-          <p:cNvPicPr preferRelativeResize="0"/>
+      <p:sp>
+        <p:nvSpPr>
+          <p:cNvPr id="86" name="Google Shape;86;p16"/>
+          <p:cNvSpPr txBox="1"/>
           <p:nvPr/>
-        </p:nvPicPr>
-        <p:blipFill>
-          <a:blip r:embed="rId4">
-            <a:alphaModFix/>
-          </a:blip>
-          <a:stretch>
-            <a:fillRect/>
-          </a:stretch>
-        </p:blipFill>
+        </p:nvSpPr>
         <p:spPr>
           <a:xfrm>
-            <a:off x="4260725" y="1387650"/>
-            <a:ext cx="3519592" cy="3668300"/>
+            <a:off x="4623600" y="255350"/>
+            <a:ext cx="4202400" cy="384900"/>
           </a:xfrm>
           <a:prstGeom prst="rect">
             <a:avLst/>
@@ -8433,7 +8249,45 @@
             <a:noFill/>
           </a:ln>
         </p:spPr>
-      </p:pic>
+        <p:txBody>
+          <a:bodyPr anchorCtr="0" anchor="t" bIns="91425" lIns="91425" spcFirstLastPara="1" rIns="91425" wrap="square" tIns="91425">
+            <a:spAutoFit/>
+          </a:bodyPr>
+          <a:lstStyle/>
+          <a:p>
+            <a:pPr indent="0" lvl="0" marL="0" rtl="0" algn="l">
+              <a:spcBef>
+                <a:spcPts val="0"/>
+              </a:spcBef>
+              <a:spcAft>
+                <a:spcPts val="0"/>
+              </a:spcAft>
+              <a:buNone/>
+            </a:pPr>
+            <a:r>
+              <a:rPr lang="ro" sz="1300">
+                <a:solidFill>
+                  <a:schemeClr val="dk2"/>
+                </a:solidFill>
+                <a:latin typeface="Roboto"/>
+                <a:ea typeface="Roboto"/>
+                <a:cs typeface="Roboto"/>
+                <a:sym typeface="Roboto"/>
+              </a:rPr>
+              <a:t>Tabelul de decizie</a:t>
+            </a:r>
+            <a:endParaRPr sz="1300">
+              <a:solidFill>
+                <a:schemeClr val="dk2"/>
+              </a:solidFill>
+              <a:latin typeface="Roboto"/>
+              <a:ea typeface="Roboto"/>
+              <a:cs typeface="Roboto"/>
+              <a:sym typeface="Roboto"/>
+            </a:endParaRPr>
+          </a:p>
+        </p:txBody>
+      </p:sp>
     </p:spTree>
   </p:cSld>
   <p:clrMapOvr>
@@ -8447,7 +8301,7 @@
   <p:cSld>
     <p:spTree>
       <p:nvGrpSpPr>
-        <p:cNvPr id="88" name="Shape 88"/>
+        <p:cNvPr id="90" name="Shape 90"/>
         <p:cNvGrpSpPr/>
         <p:nvPr/>
       </p:nvGrpSpPr>
@@ -8461,16 +8315,16 @@
       </p:grpSpPr>
       <p:sp>
         <p:nvSpPr>
-          <p:cNvPr id="89" name="Google Shape;89;p17"/>
+          <p:cNvPr id="91" name="Google Shape;91;p17"/>
           <p:cNvSpPr txBox="1"/>
           <p:nvPr>
-            <p:ph idx="1" type="body"/>
+            <p:ph type="title"/>
           </p:nvPr>
         </p:nvSpPr>
         <p:spPr>
           <a:xfrm>
-            <a:off x="311700" y="1505700"/>
-            <a:ext cx="8574600" cy="3076200"/>
+            <a:off x="311700" y="449850"/>
+            <a:ext cx="8520600" cy="623700"/>
           </a:xfrm>
           <a:prstGeom prst="rect">
             <a:avLst/>
@@ -8478,11 +8332,11 @@
         </p:spPr>
         <p:txBody>
           <a:bodyPr anchorCtr="0" anchor="t" bIns="91425" lIns="91425" spcFirstLastPara="1" rIns="91425" wrap="square" tIns="91425">
-            <a:normAutofit lnSpcReduction="20000"/>
+            <a:normAutofit/>
           </a:bodyPr>
           <a:lstStyle/>
           <a:p>
-            <a:pPr indent="457200" lvl="0" marL="0" rtl="0" algn="l">
+            <a:pPr indent="0" lvl="0" marL="0" rtl="0" algn="l">
               <a:spcBef>
                 <a:spcPts val="0"/>
               </a:spcBef>
@@ -8493,234 +8347,95 @@
             </a:pPr>
             <a:r>
               <a:rPr lang="ro"/>
-              <a:t>Pentru functionalitate am testat:</a:t>
+              <a:t>Mutanti</a:t>
             </a:r>
             <a:endParaRPr/>
           </a:p>
+        </p:txBody>
+      </p:sp>
+      <p:pic>
+        <p:nvPicPr>
+          <p:cNvPr id="92" name="Google Shape;92;p17"/>
+          <p:cNvPicPr preferRelativeResize="0"/>
+          <p:nvPr/>
+        </p:nvPicPr>
+        <p:blipFill>
+          <a:blip r:embed="rId3">
+            <a:alphaModFix/>
+          </a:blip>
+          <a:stretch>
+            <a:fillRect/>
+          </a:stretch>
+        </p:blipFill>
+        <p:spPr>
+          <a:xfrm>
+            <a:off x="385875" y="2187925"/>
+            <a:ext cx="5734050" cy="2867025"/>
+          </a:xfrm>
+          <a:prstGeom prst="rect">
+            <a:avLst/>
+          </a:prstGeom>
+          <a:noFill/>
+          <a:ln>
+            <a:noFill/>
+          </a:ln>
+        </p:spPr>
+      </p:pic>
+      <p:sp>
+        <p:nvSpPr>
+          <p:cNvPr id="93" name="Google Shape;93;p17"/>
+          <p:cNvSpPr txBox="1"/>
+          <p:nvPr/>
+        </p:nvSpPr>
+        <p:spPr>
+          <a:xfrm>
+            <a:off x="503400" y="1561300"/>
+            <a:ext cx="4202400" cy="585000"/>
+          </a:xfrm>
+          <a:prstGeom prst="rect">
+            <a:avLst/>
+          </a:prstGeom>
+          <a:noFill/>
+          <a:ln>
+            <a:noFill/>
+          </a:ln>
+        </p:spPr>
+        <p:txBody>
+          <a:bodyPr anchorCtr="0" anchor="t" bIns="91425" lIns="91425" spcFirstLastPara="1" rIns="91425" wrap="square" tIns="91425">
+            <a:spAutoFit/>
+          </a:bodyPr>
+          <a:lstStyle/>
           <a:p>
-            <a:pPr indent="-311150" lvl="0" marL="457200" rtl="0" algn="l">
-              <a:spcBef>
-                <a:spcPts val="1200"/>
-              </a:spcBef>
-              <a:spcAft>
-                <a:spcPts val="0"/>
-              </a:spcAft>
-              <a:buSzPts val="1300"/>
-              <a:buAutoNum type="arabicPeriod"/>
+            <a:pPr indent="0" lvl="0" marL="0" rtl="0" algn="l">
+              <a:spcBef>
+                <a:spcPts val="0"/>
+              </a:spcBef>
+              <a:spcAft>
+                <a:spcPts val="0"/>
+              </a:spcAft>
+              <a:buNone/>
             </a:pPr>
             <a:r>
-              <a:rPr lang="ro"/>
-              <a:t>Adunarea -</a:t>
+              <a:rPr lang="ro" sz="1300">
+                <a:solidFill>
+                  <a:schemeClr val="dk2"/>
+                </a:solidFill>
+                <a:latin typeface="Roboto"/>
+                <a:ea typeface="Roboto"/>
+                <a:cs typeface="Roboto"/>
+                <a:sym typeface="Roboto"/>
+              </a:rPr>
+              <a:t>Pentru testele cu mutanti am folosit libraria mutmut si acestea sunt rezultate</a:t>
             </a:r>
-            <a:r>
-              <a:rPr lang="ro"/>
-              <a:t> am setat display-ul la 5+2 si am obtinut 7</a:t>
-            </a:r>
-            <a:endParaRPr/>
-          </a:p>
-          <a:p>
-            <a:pPr indent="-311150" lvl="0" marL="457200" rtl="0" algn="l">
-              <a:spcBef>
-                <a:spcPts val="0"/>
-              </a:spcBef>
-              <a:spcAft>
-                <a:spcPts val="0"/>
-              </a:spcAft>
-              <a:buSzPts val="1300"/>
-              <a:buAutoNum type="arabicPeriod"/>
-            </a:pPr>
-            <a:r>
-              <a:rPr lang="ro"/>
-              <a:t>Scaderea - am setat display-ul la 10-2 si am obtinut 8 </a:t>
-            </a:r>
-            <a:endParaRPr/>
-          </a:p>
-          <a:p>
-            <a:pPr indent="-311150" lvl="0" marL="457200" rtl="0" algn="l">
-              <a:spcBef>
-                <a:spcPts val="0"/>
-              </a:spcBef>
-              <a:spcAft>
-                <a:spcPts val="0"/>
-              </a:spcAft>
-              <a:buSzPts val="1300"/>
-              <a:buAutoNum type="arabicPeriod"/>
-            </a:pPr>
-            <a:r>
-              <a:rPr lang="ro"/>
-              <a:t>Inmultirea - am setat display-ul la 10*5 si am obtinut 50 </a:t>
-            </a:r>
-            <a:endParaRPr/>
-          </a:p>
-          <a:p>
-            <a:pPr indent="-311150" lvl="0" marL="457200" rtl="0" algn="l">
-              <a:spcBef>
-                <a:spcPts val="0"/>
-              </a:spcBef>
-              <a:spcAft>
-                <a:spcPts val="0"/>
-              </a:spcAft>
-              <a:buSzPts val="1300"/>
-              <a:buAutoNum type="arabicPeriod"/>
-            </a:pPr>
-            <a:r>
-              <a:rPr lang="ro"/>
-              <a:t>Impartirea - am setat display-ul la 20/4 si am obtinut  5.0 </a:t>
-            </a:r>
-            <a:endParaRPr/>
-          </a:p>
-          <a:p>
-            <a:pPr indent="-311150" lvl="0" marL="457200" rtl="0" algn="l">
-              <a:spcBef>
-                <a:spcPts val="0"/>
-              </a:spcBef>
-              <a:spcAft>
-                <a:spcPts val="0"/>
-              </a:spcAft>
-              <a:buSzPts val="1300"/>
-              <a:buAutoNum type="arabicPeriod"/>
-            </a:pPr>
-            <a:r>
-              <a:rPr lang="ro"/>
-              <a:t>Butonul de clear - am setat display-ul la 12345 si am apasat butonul de clear si valoarea a fost stearsa</a:t>
-            </a:r>
-            <a:endParaRPr/>
-          </a:p>
-          <a:p>
-            <a:pPr indent="-311150" lvl="0" marL="457200" rtl="0" algn="l">
-              <a:spcBef>
-                <a:spcPts val="0"/>
-              </a:spcBef>
-              <a:spcAft>
-                <a:spcPts val="0"/>
-              </a:spcAft>
-              <a:buSzPts val="1300"/>
-              <a:buAutoNum type="arabicPeriod"/>
-            </a:pPr>
-            <a:r>
-              <a:rPr lang="ro"/>
-              <a:t>Numerele negative - am setat display-ul la -5+3 si am obtinut -2</a:t>
-            </a:r>
-            <a:endParaRPr/>
-          </a:p>
-          <a:p>
-            <a:pPr indent="-311150" lvl="0" marL="457200" rtl="0" algn="l">
-              <a:spcBef>
-                <a:spcPts val="0"/>
-              </a:spcBef>
-              <a:spcAft>
-                <a:spcPts val="0"/>
-              </a:spcAft>
-              <a:buSzPts val="1300"/>
-              <a:buAutoNum type="arabicPeriod"/>
-            </a:pPr>
-            <a:r>
-              <a:rPr lang="ro"/>
-              <a:t>Adunarea cu mai multe numere - am setat display-ul la 2+3+4 si am obtinut 9 </a:t>
-            </a:r>
-            <a:endParaRPr/>
-          </a:p>
-          <a:p>
-            <a:pPr indent="-311150" lvl="0" marL="457200" rtl="0" algn="l">
-              <a:spcBef>
-                <a:spcPts val="0"/>
-              </a:spcBef>
-              <a:spcAft>
-                <a:spcPts val="0"/>
-              </a:spcAft>
-              <a:buSzPts val="1300"/>
-              <a:buAutoNum type="arabicPeriod"/>
-            </a:pPr>
-            <a:r>
-              <a:rPr lang="ro"/>
-              <a:t>Ordinea operatiilor - am setat display-ul la 2+3*4-5 si am obtinut 9</a:t>
-            </a:r>
-            <a:endParaRPr/>
-          </a:p>
-          <a:p>
-            <a:pPr indent="-311150" lvl="0" marL="457200" rtl="0" algn="l">
-              <a:spcBef>
-                <a:spcPts val="0"/>
-              </a:spcBef>
-              <a:spcAft>
-                <a:spcPts val="0"/>
-              </a:spcAft>
-              <a:buSzPts val="1300"/>
-              <a:buAutoNum type="arabicPeriod"/>
-            </a:pPr>
-            <a:r>
-              <a:rPr lang="ro"/>
-              <a:t>Numere foarte mici sau foarte mari </a:t>
-            </a:r>
-            <a:endParaRPr/>
-          </a:p>
-          <a:p>
-            <a:pPr indent="-311150" lvl="0" marL="457200" rtl="0" algn="l">
-              <a:spcBef>
-                <a:spcPts val="0"/>
-              </a:spcBef>
-              <a:spcAft>
-                <a:spcPts val="0"/>
-              </a:spcAft>
-              <a:buSzPts val="1300"/>
-              <a:buAutoNum type="arabicPeriod"/>
-            </a:pPr>
-            <a:r>
-              <a:rPr lang="ro"/>
-              <a:t>Toate operatiile pentru numere cu virgula</a:t>
-            </a:r>
-            <a:endParaRPr/>
-          </a:p>
-          <a:p>
-            <a:pPr indent="-311150" lvl="0" marL="457200" rtl="0" algn="l">
-              <a:spcBef>
-                <a:spcPts val="0"/>
-              </a:spcBef>
-              <a:spcAft>
-                <a:spcPts val="0"/>
-              </a:spcAft>
-              <a:buSzPts val="1300"/>
-              <a:buAutoNum type="arabicPeriod"/>
-            </a:pPr>
-            <a:r>
-              <a:rPr lang="ro"/>
-              <a:t>Impartirea cu 0</a:t>
-            </a:r>
-            <a:endParaRPr/>
-          </a:p>
-          <a:p>
-            <a:pPr indent="-311150" lvl="0" marL="457200" rtl="0" algn="l">
-              <a:spcBef>
-                <a:spcPts val="0"/>
-              </a:spcBef>
-              <a:spcAft>
-                <a:spcPts val="0"/>
-              </a:spcAft>
-              <a:buSzPts val="1300"/>
-              <a:buAutoNum type="arabicPeriod"/>
-            </a:pPr>
-            <a:r>
-              <a:rPr lang="ro"/>
-              <a:t>Depasirea limitei float-ului</a:t>
-            </a:r>
-            <a:endParaRPr/>
-          </a:p>
-          <a:p>
-            <a:pPr indent="-311150" lvl="0" marL="457200" rtl="0" algn="l">
-              <a:spcBef>
-                <a:spcPts val="0"/>
-              </a:spcBef>
-              <a:spcAft>
-                <a:spcPts val="0"/>
-              </a:spcAft>
-              <a:buSzPts val="1300"/>
-              <a:buAutoNum type="arabicPeriod"/>
-            </a:pPr>
-            <a:r>
-              <a:rPr lang="ro"/>
-              <a:t>Rotunjirea - am testat rotunjirea la 2 zecimale si rotunjirea la 5 zecimale</a:t>
-            </a:r>
-            <a:endParaRPr/>
+            <a:endParaRPr sz="1300">
+              <a:solidFill>
+                <a:schemeClr val="dk2"/>
+              </a:solidFill>
+              <a:latin typeface="Roboto"/>
+              <a:ea typeface="Roboto"/>
+              <a:cs typeface="Roboto"/>
+              <a:sym typeface="Roboto"/>
+            </a:endParaRPr>
           </a:p>
         </p:txBody>
       </p:sp>
@@ -8737,7 +8452,7 @@
   <p:cSld>
     <p:spTree>
       <p:nvGrpSpPr>
-        <p:cNvPr id="93" name="Shape 93"/>
+        <p:cNvPr id="97" name="Shape 97"/>
         <p:cNvGrpSpPr/>
         <p:nvPr/>
       </p:nvGrpSpPr>
@@ -8751,7 +8466,7 @@
       </p:grpSpPr>
       <p:sp>
         <p:nvSpPr>
-          <p:cNvPr id="94" name="Google Shape;94;p18"/>
+          <p:cNvPr id="98" name="Google Shape;98;p18"/>
           <p:cNvSpPr txBox="1"/>
           <p:nvPr>
             <p:ph type="title"/>
@@ -8783,15 +8498,102 @@
             </a:pPr>
             <a:r>
               <a:rPr lang="ro"/>
-              <a:t>Testarea parcurgerii etapelor </a:t>
+              <a:t>Raport utilizare tool AI</a:t>
             </a:r>
             <a:endParaRPr/>
           </a:p>
         </p:txBody>
       </p:sp>
+      <p:sp>
+        <p:nvSpPr>
+          <p:cNvPr id="99" name="Google Shape;99;p18"/>
+          <p:cNvSpPr txBox="1"/>
+          <p:nvPr/>
+        </p:nvSpPr>
+        <p:spPr>
+          <a:xfrm>
+            <a:off x="204275" y="1378875"/>
+            <a:ext cx="4202400" cy="1659300"/>
+          </a:xfrm>
+          <a:prstGeom prst="rect">
+            <a:avLst/>
+          </a:prstGeom>
+          <a:noFill/>
+          <a:ln>
+            <a:noFill/>
+          </a:ln>
+        </p:spPr>
+        <p:txBody>
+          <a:bodyPr anchorCtr="0" anchor="t" bIns="91425" lIns="91425" spcFirstLastPara="1" rIns="91425" wrap="square" tIns="91425">
+            <a:spAutoFit/>
+          </a:bodyPr>
+          <a:lstStyle/>
+          <a:p>
+            <a:pPr indent="457200" lvl="0" marL="0" rtl="0" algn="l">
+              <a:lnSpc>
+                <a:spcPct val="115000"/>
+              </a:lnSpc>
+              <a:spcBef>
+                <a:spcPts val="0"/>
+              </a:spcBef>
+              <a:spcAft>
+                <a:spcPts val="0"/>
+              </a:spcAft>
+              <a:buNone/>
+            </a:pPr>
+            <a:r>
+              <a:rPr lang="ro" sz="1200"/>
+              <a:t>Am folosit Google Gemini pentru a genera teste pentru codul nostru. I-am dat codul nostru si i-am cerut sa faca un cod pentru testarea functionala.  </a:t>
+            </a:r>
+            <a:endParaRPr sz="1200"/>
+          </a:p>
+          <a:p>
+            <a:pPr indent="457200" lvl="0" marL="0" rtl="0" algn="l">
+              <a:lnSpc>
+                <a:spcPct val="115000"/>
+              </a:lnSpc>
+              <a:spcBef>
+                <a:spcPts val="0"/>
+              </a:spcBef>
+              <a:spcAft>
+                <a:spcPts val="0"/>
+              </a:spcAft>
+              <a:buNone/>
+            </a:pPr>
+            <a:r>
+              <a:rPr lang="ro" sz="1200"/>
+              <a:t>In codul nostru noi am folosit unittest in timp ce gemini a folosit pytest si noi avem mai multe teste cu un coverage mult mai bun.</a:t>
+            </a:r>
+            <a:endParaRPr sz="1200"/>
+          </a:p>
+          <a:p>
+            <a:pPr indent="457200" lvl="0" marL="0" rtl="0" algn="l">
+              <a:spcBef>
+                <a:spcPts val="0"/>
+              </a:spcBef>
+              <a:spcAft>
+                <a:spcPts val="0"/>
+              </a:spcAft>
+              <a:buNone/>
+            </a:pPr>
+            <a:r>
+              <a:t/>
+            </a:r>
+            <a:endParaRPr sz="1300">
+              <a:solidFill>
+                <a:schemeClr val="dk2"/>
+              </a:solidFill>
+              <a:latin typeface="Roboto"/>
+              <a:ea typeface="Roboto"/>
+              <a:cs typeface="Roboto"/>
+              <a:sym typeface="Roboto"/>
+            </a:endParaRPr>
+          </a:p>
+        </p:txBody>
+      </p:sp>
       <p:pic>
         <p:nvPicPr>
-          <p:cNvPr id="95" name="Google Shape;95;p18"/>
+          <p:cNvPr id="100" name="Google Shape;100;p18"/>
           <p:cNvPicPr preferRelativeResize="0"/>
           <p:nvPr/>
         </p:nvPicPr>
@@ -8805,8 +8607,8 @@
         </p:blipFill>
         <p:spPr>
           <a:xfrm>
-            <a:off x="2941900" y="1317202"/>
-            <a:ext cx="3845975" cy="3251875"/>
+            <a:off x="4726025" y="1414650"/>
+            <a:ext cx="4106301" cy="1343750"/>
           </a:xfrm>
           <a:prstGeom prst="rect">
             <a:avLst/>
@@ -8819,7 +8621,7 @@
       </p:pic>
       <p:pic>
         <p:nvPicPr>
-          <p:cNvPr id="96" name="Google Shape;96;p18"/>
+          <p:cNvPr id="101" name="Google Shape;101;p18"/>
           <p:cNvPicPr preferRelativeResize="0"/>
           <p:nvPr/>
         </p:nvPicPr>
@@ -8833,8 +8635,8 @@
         </p:blipFill>
         <p:spPr>
           <a:xfrm>
-            <a:off x="6787871" y="1317200"/>
-            <a:ext cx="2356130" cy="3251875"/>
+            <a:off x="386675" y="2758400"/>
+            <a:ext cx="3565575" cy="2315850"/>
           </a:xfrm>
           <a:prstGeom prst="rect">
             <a:avLst/>
@@ -8847,14 +8649,14 @@
       </p:pic>
       <p:sp>
         <p:nvSpPr>
-          <p:cNvPr id="97" name="Google Shape;97;p18"/>
+          <p:cNvPr id="102" name="Google Shape;102;p18"/>
           <p:cNvSpPr txBox="1"/>
           <p:nvPr/>
         </p:nvSpPr>
         <p:spPr>
           <a:xfrm>
-            <a:off x="0" y="2533542"/>
-            <a:ext cx="2941800" cy="1139700"/>
+            <a:off x="5493675" y="2758400"/>
+            <a:ext cx="3078900" cy="384900"/>
           </a:xfrm>
           <a:prstGeom prst="rect">
             <a:avLst/>
@@ -8866,11 +8668,11 @@
         </p:spPr>
         <p:txBody>
           <a:bodyPr anchorCtr="0" anchor="t" bIns="91425" lIns="91425" spcFirstLastPara="1" rIns="91425" wrap="square" tIns="91425">
-            <a:noAutofit/>
+            <a:spAutoFit/>
           </a:bodyPr>
           <a:lstStyle/>
           <a:p>
-            <a:pPr indent="457200" lvl="0" marL="0" rtl="0" algn="l">
+            <a:pPr indent="0" lvl="0" marL="0" rtl="0" algn="l">
               <a:spcBef>
                 <a:spcPts val="0"/>
               </a:spcBef>
@@ -8889,7 +8691,65 @@
                 <a:cs typeface="Roboto"/>
                 <a:sym typeface="Roboto"/>
               </a:rPr>
-              <a:t>Am testat toate butoanele si ce o sa fie pe display dupa apasarea lor </a:t>
+              <a:t>coverage-ul pentru testele facute de AI</a:t>
+            </a:r>
+            <a:endParaRPr sz="1300">
+              <a:solidFill>
+                <a:schemeClr val="dk2"/>
+              </a:solidFill>
+              <a:latin typeface="Roboto"/>
+              <a:ea typeface="Roboto"/>
+              <a:cs typeface="Roboto"/>
+              <a:sym typeface="Roboto"/>
+            </a:endParaRPr>
+          </a:p>
+        </p:txBody>
+      </p:sp>
+      <p:sp>
+        <p:nvSpPr>
+          <p:cNvPr id="103" name="Google Shape;103;p18"/>
+          <p:cNvSpPr txBox="1"/>
+          <p:nvPr/>
+        </p:nvSpPr>
+        <p:spPr>
+          <a:xfrm>
+            <a:off x="3952250" y="4640125"/>
+            <a:ext cx="4202400" cy="384900"/>
+          </a:xfrm>
+          <a:prstGeom prst="rect">
+            <a:avLst/>
+          </a:prstGeom>
+          <a:noFill/>
+          <a:ln>
+            <a:noFill/>
+          </a:ln>
+        </p:spPr>
+        <p:txBody>
+          <a:bodyPr anchorCtr="0" anchor="t" bIns="91425" lIns="91425" spcFirstLastPara="1" rIns="91425" wrap="square" tIns="91425">
+            <a:spAutoFit/>
+          </a:bodyPr>
+          <a:lstStyle/>
+          <a:p>
+            <a:pPr indent="0" lvl="0" marL="0" rtl="0" algn="l">
+              <a:spcBef>
+                <a:spcPts val="0"/>
+              </a:spcBef>
+              <a:spcAft>
+                <a:spcPts val="0"/>
+              </a:spcAft>
+              <a:buNone/>
+            </a:pPr>
+            <a:r>
+              <a:rPr lang="ro" sz="1300">
+                <a:solidFill>
+                  <a:schemeClr val="dk2"/>
+                </a:solidFill>
+                <a:latin typeface="Roboto"/>
+                <a:ea typeface="Roboto"/>
+                <a:cs typeface="Roboto"/>
+                <a:sym typeface="Roboto"/>
+              </a:rPr>
+              <a:t>coverage-ul pentru testele facute de noi</a:t>
             </a:r>
             <a:endParaRPr sz="1300">
               <a:solidFill>
@@ -8916,7 +8776,7 @@
   <p:cSld>
     <p:spTree>
       <p:nvGrpSpPr>
-        <p:cNvPr id="101" name="Shape 101"/>
+        <p:cNvPr id="107" name="Shape 107"/>
         <p:cNvGrpSpPr/>
         <p:nvPr/>
       </p:nvGrpSpPr>
@@ -8930,7 +8790,7 @@
       </p:grpSpPr>
       <p:sp>
         <p:nvSpPr>
-          <p:cNvPr id="102" name="Google Shape;102;p19"/>
+          <p:cNvPr id="108" name="Google Shape;108;p19"/>
           <p:cNvSpPr txBox="1"/>
           <p:nvPr>
             <p:ph type="title"/>
@@ -8962,7 +8822,7 @@
             </a:pPr>
             <a:r>
               <a:rPr lang="ro"/>
-              <a:t>Testarea GUI ( Graphical User Interface )</a:t>
+              <a:t>Concluzie</a:t>
             </a:r>
             <a:endParaRPr/>
           </a:p>
@@ -8970,203 +8830,14 @@
       </p:sp>
       <p:sp>
         <p:nvSpPr>
-          <p:cNvPr id="103" name="Google Shape;103;p19"/>
-          <p:cNvSpPr txBox="1"/>
-          <p:nvPr>
-            <p:ph idx="1" type="body"/>
-          </p:nvPr>
-        </p:nvSpPr>
-        <p:spPr>
-          <a:xfrm>
-            <a:off x="311725" y="2300950"/>
-            <a:ext cx="3999900" cy="1237500"/>
-          </a:xfrm>
-          <a:prstGeom prst="rect">
-            <a:avLst/>
-          </a:prstGeom>
-        </p:spPr>
-        <p:txBody>
-          <a:bodyPr anchorCtr="0" anchor="t" bIns="91425" lIns="91425" spcFirstLastPara="1" rIns="91425" wrap="square" tIns="91425">
-            <a:normAutofit/>
-          </a:bodyPr>
-          <a:lstStyle/>
-          <a:p>
-            <a:pPr indent="0" lvl="0" marL="0" rtl="0" algn="l">
-              <a:spcBef>
-                <a:spcPts val="0"/>
-              </a:spcBef>
-              <a:spcAft>
-                <a:spcPts val="1200"/>
-              </a:spcAft>
-              <a:buNone/>
-            </a:pPr>
-            <a:r>
-              <a:rPr lang="ro"/>
-              <a:t>	Am verificat butoanele si valorile pe care le avem pe display </a:t>
-            </a:r>
-            <a:endParaRPr/>
-          </a:p>
-        </p:txBody>
-      </p:sp>
-      <p:pic>
-        <p:nvPicPr>
-          <p:cNvPr id="104" name="Google Shape;104;p19"/>
-          <p:cNvPicPr preferRelativeResize="0"/>
-          <p:nvPr/>
-        </p:nvPicPr>
-        <p:blipFill>
-          <a:blip r:embed="rId3">
-            <a:alphaModFix/>
-          </a:blip>
-          <a:stretch>
-            <a:fillRect/>
-          </a:stretch>
-        </p:blipFill>
-        <p:spPr>
-          <a:xfrm>
-            <a:off x="4442125" y="1527750"/>
-            <a:ext cx="4527601" cy="3054149"/>
-          </a:xfrm>
-          <a:prstGeom prst="rect">
-            <a:avLst/>
-          </a:prstGeom>
-          <a:noFill/>
-          <a:ln>
-            <a:noFill/>
-          </a:ln>
-        </p:spPr>
-      </p:pic>
-    </p:spTree>
-  </p:cSld>
-  <p:clrMapOvr>
-    <a:masterClrMapping/>
-  </p:clrMapOvr>
-</p:sld>
-</file>
-
-<file path=ppt/slides/slide8.xml><?xml version="1.0" encoding="utf-8"?>
-<p:sld xmlns:a="http://schemas.openxmlformats.org/drawingml/2006/main" xmlns:r="http://schemas.openxmlformats.org/officeDocument/2006/relationships" xmlns:mc="http://schemas.openxmlformats.org/markup-compatibility/2006" xmlns:mv="urn:schemas-microsoft-com:mac:vml" xmlns:p="http://schemas.openxmlformats.org/presentationml/2006/main" xmlns:c="http://schemas.openxmlformats.org/drawingml/2006/chart" xmlns:dgm="http://schemas.openxmlformats.org/drawingml/2006/diagram" xmlns:o="urn:schemas-microsoft-com:office:office" xmlns:v="urn:schemas-microsoft-com:vml" xmlns:pvml="urn:schemas-microsoft-com:office:powerpoint" xmlns:com="http://schemas.openxmlformats.org/drawingml/2006/compatibility" xmlns:p14="http://schemas.microsoft.com/office/powerpoint/2010/main" xmlns:p15="http://schemas.microsoft.com/office/powerpoint/2012/main" xmlns:ahyp="http://schemas.microsoft.com/office/drawing/2018/hyperlinkcolor">
-  <p:cSld>
-    <p:spTree>
-      <p:nvGrpSpPr>
-        <p:cNvPr id="108" name="Shape 108"/>
-        <p:cNvGrpSpPr/>
-        <p:nvPr/>
-      </p:nvGrpSpPr>
-      <p:grpSpPr>
-        <a:xfrm>
-          <a:off x="0" y="0"/>
-          <a:ext cx="0" cy="0"/>
-          <a:chOff x="0" y="0"/>
-          <a:chExt cx="0" cy="0"/>
-        </a:xfrm>
-      </p:grpSpPr>
-      <p:sp>
-        <p:nvSpPr>
-          <p:cNvPr id="109" name="Google Shape;109;p20"/>
-          <p:cNvSpPr txBox="1"/>
-          <p:nvPr>
-            <p:ph type="title"/>
-          </p:nvPr>
-        </p:nvSpPr>
-        <p:spPr>
-          <a:xfrm>
-            <a:off x="311725" y="500925"/>
-            <a:ext cx="8520600" cy="623700"/>
-          </a:xfrm>
-          <a:prstGeom prst="rect">
-            <a:avLst/>
-          </a:prstGeom>
-        </p:spPr>
-        <p:txBody>
-          <a:bodyPr anchorCtr="0" anchor="t" bIns="91425" lIns="91425" spcFirstLastPara="1" rIns="91425" wrap="square" tIns="91425">
-            <a:normAutofit/>
-          </a:bodyPr>
-          <a:lstStyle/>
-          <a:p>
-            <a:pPr indent="0" lvl="0" marL="0" rtl="0" algn="l">
-              <a:spcBef>
-                <a:spcPts val="0"/>
-              </a:spcBef>
-              <a:spcAft>
-                <a:spcPts val="0"/>
-              </a:spcAft>
-              <a:buNone/>
-            </a:pPr>
-            <a:r>
-              <a:rPr lang="ro"/>
-              <a:t>Raport utilizare tool AI</a:t>
-            </a:r>
-            <a:endParaRPr/>
-          </a:p>
-        </p:txBody>
-      </p:sp>
-      <p:pic>
-        <p:nvPicPr>
-          <p:cNvPr id="110" name="Google Shape;110;p20"/>
-          <p:cNvPicPr preferRelativeResize="0"/>
-          <p:nvPr/>
-        </p:nvPicPr>
-        <p:blipFill>
-          <a:blip r:embed="rId3">
-            <a:alphaModFix/>
-          </a:blip>
-          <a:stretch>
-            <a:fillRect/>
-          </a:stretch>
-        </p:blipFill>
-        <p:spPr>
-          <a:xfrm>
-            <a:off x="4872725" y="1306225"/>
-            <a:ext cx="4222769" cy="3714076"/>
-          </a:xfrm>
-          <a:prstGeom prst="rect">
-            <a:avLst/>
-          </a:prstGeom>
-          <a:noFill/>
-          <a:ln>
-            <a:noFill/>
-          </a:ln>
-        </p:spPr>
-      </p:pic>
-      <p:pic>
-        <p:nvPicPr>
-          <p:cNvPr id="111" name="Google Shape;111;p20"/>
-          <p:cNvPicPr preferRelativeResize="0"/>
-          <p:nvPr/>
-        </p:nvPicPr>
-        <p:blipFill>
-          <a:blip r:embed="rId4">
-            <a:alphaModFix/>
-          </a:blip>
-          <a:stretch>
-            <a:fillRect/>
-          </a:stretch>
-        </p:blipFill>
-        <p:spPr>
-          <a:xfrm>
-            <a:off x="924325" y="4039600"/>
-            <a:ext cx="3599024" cy="980700"/>
-          </a:xfrm>
-          <a:prstGeom prst="rect">
-            <a:avLst/>
-          </a:prstGeom>
-          <a:noFill/>
-          <a:ln>
-            <a:noFill/>
-          </a:ln>
-        </p:spPr>
-      </p:pic>
-      <p:sp>
-        <p:nvSpPr>
-          <p:cNvPr id="112" name="Google Shape;112;p20"/>
+          <p:cNvPr id="109" name="Google Shape;109;p19"/>
           <p:cNvSpPr txBox="1"/>
           <p:nvPr/>
         </p:nvSpPr>
         <p:spPr>
           <a:xfrm>
-            <a:off x="430450" y="1780150"/>
-            <a:ext cx="4202400" cy="585000"/>
+            <a:off x="437750" y="1444550"/>
+            <a:ext cx="8520600" cy="384900"/>
           </a:xfrm>
           <a:prstGeom prst="rect">
             <a:avLst/>
@@ -9182,7 +8853,7 @@
           </a:bodyPr>
           <a:lstStyle/>
           <a:p>
-            <a:pPr indent="457200" lvl="0" marL="0" rtl="0" algn="l">
+            <a:pPr indent="0" lvl="0" marL="0" rtl="0" algn="l">
               <a:spcBef>
                 <a:spcPts val="0"/>
               </a:spcBef>
@@ -9201,7 +8872,7 @@
                 <a:cs typeface="Roboto"/>
                 <a:sym typeface="Roboto"/>
               </a:rPr>
-              <a:t>Am folosit google gemini pentru testul AI, nu acopera toate testele realizate de noi</a:t>
+              <a:t>	In concluzie, testele acopera toate functionalitatile aplicatiei si toate testele efectuate au trecut.</a:t>
             </a:r>
             <a:endParaRPr sz="1300">
               <a:solidFill>
@@ -9223,128 +8894,286 @@
 </p:sld>
 </file>
 
-<file path=ppt/slides/slide9.xml><?xml version="1.0" encoding="utf-8"?>
-<p:sld xmlns:a="http://schemas.openxmlformats.org/drawingml/2006/main" xmlns:r="http://schemas.openxmlformats.org/officeDocument/2006/relationships" xmlns:mc="http://schemas.openxmlformats.org/markup-compatibility/2006" xmlns:mv="urn:schemas-microsoft-com:mac:vml" xmlns:p="http://schemas.openxmlformats.org/presentationml/2006/main" xmlns:c="http://schemas.openxmlformats.org/drawingml/2006/chart" xmlns:dgm="http://schemas.openxmlformats.org/drawingml/2006/diagram" xmlns:o="urn:schemas-microsoft-com:office:office" xmlns:v="urn:schemas-microsoft-com:vml" xmlns:pvml="urn:schemas-microsoft-com:office:powerpoint" xmlns:com="http://schemas.openxmlformats.org/drawingml/2006/compatibility" xmlns:p14="http://schemas.microsoft.com/office/powerpoint/2010/main" xmlns:p15="http://schemas.microsoft.com/office/powerpoint/2012/main" xmlns:ahyp="http://schemas.microsoft.com/office/drawing/2018/hyperlinkcolor">
-  <p:cSld>
-    <p:spTree>
-      <p:nvGrpSpPr>
-        <p:cNvPr id="116" name="Shape 116"/>
-        <p:cNvGrpSpPr/>
-        <p:nvPr/>
-      </p:nvGrpSpPr>
-      <p:grpSpPr>
-        <a:xfrm>
-          <a:off x="0" y="0"/>
-          <a:ext cx="0" cy="0"/>
-          <a:chOff x="0" y="0"/>
-          <a:chExt cx="0" cy="0"/>
-        </a:xfrm>
-      </p:grpSpPr>
-      <p:sp>
-        <p:nvSpPr>
-          <p:cNvPr id="117" name="Google Shape;117;p21"/>
-          <p:cNvSpPr txBox="1"/>
-          <p:nvPr>
-            <p:ph type="title"/>
-          </p:nvPr>
-        </p:nvSpPr>
-        <p:spPr>
-          <a:xfrm>
-            <a:off x="311725" y="500925"/>
-            <a:ext cx="8520600" cy="623700"/>
-          </a:xfrm>
-          <a:prstGeom prst="rect">
-            <a:avLst/>
-          </a:prstGeom>
-        </p:spPr>
-        <p:txBody>
-          <a:bodyPr anchorCtr="0" anchor="t" bIns="91425" lIns="91425" spcFirstLastPara="1" rIns="91425" wrap="square" tIns="91425">
-            <a:normAutofit/>
-          </a:bodyPr>
-          <a:lstStyle/>
-          <a:p>
-            <a:pPr indent="0" lvl="0" marL="0" rtl="0" algn="l">
-              <a:spcBef>
-                <a:spcPts val="0"/>
-              </a:spcBef>
-              <a:spcAft>
-                <a:spcPts val="0"/>
-              </a:spcAft>
-              <a:buNone/>
-            </a:pPr>
-            <a:r>
-              <a:rPr lang="ro"/>
-              <a:t>Rezultate Teste</a:t>
-            </a:r>
-            <a:endParaRPr/>
-          </a:p>
-        </p:txBody>
-      </p:sp>
-      <p:pic>
-        <p:nvPicPr>
-          <p:cNvPr id="118" name="Google Shape;118;p21"/>
-          <p:cNvPicPr preferRelativeResize="0"/>
-          <p:nvPr/>
-        </p:nvPicPr>
-        <p:blipFill>
-          <a:blip r:embed="rId3">
-            <a:alphaModFix/>
-          </a:blip>
-          <a:stretch>
-            <a:fillRect/>
-          </a:stretch>
-        </p:blipFill>
-        <p:spPr>
-          <a:xfrm>
-            <a:off x="65673" y="1765575"/>
-            <a:ext cx="6206626" cy="2442450"/>
-          </a:xfrm>
-          <a:prstGeom prst="rect">
-            <a:avLst/>
-          </a:prstGeom>
-          <a:noFill/>
-          <a:ln>
-            <a:noFill/>
-          </a:ln>
-        </p:spPr>
-      </p:pic>
-      <p:pic>
-        <p:nvPicPr>
-          <p:cNvPr id="119" name="Google Shape;119;p21"/>
-          <p:cNvPicPr preferRelativeResize="0"/>
-          <p:nvPr/>
-        </p:nvPicPr>
-        <p:blipFill>
-          <a:blip r:embed="rId4">
-            <a:alphaModFix/>
-          </a:blip>
-          <a:stretch>
-            <a:fillRect/>
-          </a:stretch>
-        </p:blipFill>
-        <p:spPr>
-          <a:xfrm>
-            <a:off x="6307949" y="1437275"/>
-            <a:ext cx="2632576" cy="2884675"/>
-          </a:xfrm>
-          <a:prstGeom prst="rect">
-            <a:avLst/>
-          </a:prstGeom>
-          <a:noFill/>
-          <a:ln>
-            <a:noFill/>
-          </a:ln>
-        </p:spPr>
-      </p:pic>
-    </p:spTree>
-  </p:cSld>
-  <p:clrMapOvr>
-    <a:masterClrMapping/>
-  </p:clrMapOvr>
-</p:sld>
+<file path=ppt/theme/theme1.xml><?xml version="1.0" encoding="utf-8"?>
+<a:theme xmlns:a="http://schemas.openxmlformats.org/drawingml/2006/main" xmlns:r="http://schemas.openxmlformats.org/officeDocument/2006/relationships">
+  <a:themeElements>
+    <a:clrScheme name="Default">
+      <a:dk1>
+        <a:srgbClr val="000000"/>
+      </a:dk1>
+      <a:lt1>
+        <a:srgbClr val="FFFFFF"/>
+      </a:lt1>
+      <a:dk2>
+        <a:srgbClr val="158158"/>
+      </a:dk2>
+      <a:lt2>
+        <a:srgbClr val="F3F3F3"/>
+      </a:lt2>
+      <a:accent1>
+        <a:srgbClr val="058DC7"/>
+      </a:accent1>
+      <a:accent2>
+        <a:srgbClr val="50B432"/>
+      </a:accent2>
+      <a:accent3>
+        <a:srgbClr val="ED561B"/>
+      </a:accent3>
+      <a:accent4>
+        <a:srgbClr val="EDEF00"/>
+      </a:accent4>
+      <a:accent5>
+        <a:srgbClr val="24CBE5"/>
+      </a:accent5>
+      <a:accent6>
+        <a:srgbClr val="64E572"/>
+      </a:accent6>
+      <a:hlink>
+        <a:srgbClr val="2200CC"/>
+      </a:hlink>
+      <a:folHlink>
+        <a:srgbClr val="551A8B"/>
+      </a:folHlink>
+    </a:clrScheme>
+    <a:fontScheme name="Office">
+      <a:majorFont>
+        <a:latin typeface="Arial"/>
+        <a:ea typeface=""/>
+        <a:cs typeface=""/>
+        <a:font script="Jpan" typeface="ＭＳ Ｐゴシック"/>
+        <a:font script="Hang" typeface="맑은 고딕"/>
+        <a:font script="Hans" typeface="宋体"/>
+        <a:font script="Hant" typeface="新細明體"/>
+        <a:font script="Arab" typeface="Times New Roman"/>
+        <a:font script="Hebr" typeface="Times New Roman"/>
+        <a:font script="Thai" typeface="Angsana New"/>
+        <a:font script="Ethi" typeface="Nyala"/>
+        <a:font script="Beng" typeface="Vrinda"/>
+        <a:font script="Gujr" typeface="Shruti"/>
+        <a:font script="Khmr" typeface="MoolBoran"/>
+        <a:font script="Knda" typeface="Tunga"/>
+        <a:font script="Guru" typeface="Raavi"/>
+        <a:font script="Cans" typeface="Euphemia"/>
+        <a:font script="Cher" typeface="Plantagenet Cherokee"/>
+        <a:font script="Yiii" typeface="Microsoft Yi Baiti"/>
+        <a:font script="Tibt" typeface="Microsoft Himalaya"/>
+        <a:font script="Thaa" typeface="MV Boli"/>
+        <a:font script="Deva" typeface="Mangal"/>
+        <a:font script="Telu" typeface="Gautami"/>
+        <a:font script="Taml" typeface="Latha"/>
+        <a:font script="Syrc" typeface="Estrangelo Edessa"/>
+        <a:font script="Orya" typeface="Kalinga"/>
+        <a:font script="Mlym" typeface="Kartika"/>
+        <a:font script="Laoo" typeface="DokChampa"/>
+        <a:font script="Sinh" typeface="Iskoola Pota"/>
+        <a:font script="Mong" typeface="Mongolian Baiti"/>
+        <a:font script="Viet" typeface="Times New Roman"/>
+        <a:font script="Uigh" typeface="Microsoft Uighur"/>
+        <a:font script="Geor" typeface="Sylfaen"/>
+      </a:majorFont>
+      <a:minorFont>
+        <a:latin typeface="Arial"/>
+        <a:ea typeface=""/>
+        <a:cs typeface=""/>
+        <a:font script="Jpan" typeface="ＭＳ Ｐゴシック"/>
+        <a:font script="Hang" typeface="맑은 고딕"/>
+        <a:font script="Hans" typeface="宋体"/>
+        <a:font script="Hant" typeface="新細明體"/>
+        <a:font script="Arab" typeface="Arial"/>
+        <a:font script="Hebr" typeface="Arial"/>
+        <a:font script="Thai" typeface="Cordia New"/>
+        <a:font script="Ethi" typeface="Nyala"/>
+        <a:font script="Beng" typeface="Vrinda"/>
+        <a:font script="Gujr" typeface="Shruti"/>
+        <a:font script="Khmr" typeface="DaunPenh"/>
+        <a:font script="Knda" typeface="Tunga"/>
+        <a:font script="Guru" typeface="Raavi"/>
+        <a:font script="Cans" typeface="Euphemia"/>
+        <a:font script="Cher" typeface="Plantagenet Cherokee"/>
+        <a:font script="Yiii" typeface="Microsoft Yi Baiti"/>
+        <a:font script="Tibt" typeface="Microsoft Himalaya"/>
+        <a:font script="Thaa" typeface="MV Boli"/>
+        <a:font script="Deva" typeface="Mangal"/>
+        <a:font script="Telu" typeface="Gautami"/>
+        <a:font script="Taml" typeface="Latha"/>
+        <a:font script="Syrc" typeface="Estrangelo Edessa"/>
+        <a:font script="Orya" typeface="Kalinga"/>
+        <a:font script="Mlym" typeface="Kartika"/>
+        <a:font script="Laoo" typeface="DokChampa"/>
+        <a:font script="Sinh" typeface="Iskoola Pota"/>
+        <a:font script="Mong" typeface="Mongolian Baiti"/>
+        <a:font script="Viet" typeface="Arial"/>
+        <a:font script="Uigh" typeface="Microsoft Uighur"/>
+        <a:font script="Geor" typeface="Sylfaen"/>
+      </a:minorFont>
+    </a:fontScheme>
+    <a:fmtScheme name="Office">
+      <a:fillStyleLst>
+        <a:solidFill>
+          <a:schemeClr val="phClr"/>
+        </a:solidFill>
+        <a:gradFill rotWithShape="1">
+          <a:gsLst>
+            <a:gs pos="0">
+              <a:schemeClr val="phClr">
+                <a:tint val="50000"/>
+                <a:satMod val="300000"/>
+              </a:schemeClr>
+            </a:gs>
+            <a:gs pos="35000">
+              <a:schemeClr val="phClr">
+                <a:tint val="37000"/>
+                <a:satMod val="300000"/>
+              </a:schemeClr>
+            </a:gs>
+            <a:gs pos="100000">
+              <a:schemeClr val="phClr">
+                <a:tint val="15000"/>
+                <a:satMod val="350000"/>
+              </a:schemeClr>
+            </a:gs>
+          </a:gsLst>
+          <a:lin ang="16200000" scaled="1"/>
+        </a:gradFill>
+        <a:gradFill rotWithShape="1">
+          <a:gsLst>
+            <a:gs pos="0">
+              <a:schemeClr val="phClr">
+                <a:tint val="100000"/>
+                <a:shade val="100000"/>
+                <a:satMod val="130000"/>
+              </a:schemeClr>
+            </a:gs>
+            <a:gs pos="100000">
+              <a:schemeClr val="phClr">
+                <a:tint val="50000"/>
+                <a:shade val="100000"/>
+                <a:satMod val="350000"/>
+              </a:schemeClr>
+            </a:gs>
+          </a:gsLst>
+          <a:lin ang="16200000" scaled="0"/>
+        </a:gradFill>
+      </a:fillStyleLst>
+      <a:lnStyleLst>
+        <a:ln w="9525" cap="flat" cmpd="sng" algn="ctr">
+          <a:solidFill>
+            <a:schemeClr val="phClr">
+              <a:shade val="95000"/>
+              <a:satMod val="105000"/>
+            </a:schemeClr>
+          </a:solidFill>
+          <a:prstDash val="solid"/>
+        </a:ln>
+        <a:ln w="25400" cap="flat" cmpd="sng" algn="ctr">
+          <a:solidFill>
+            <a:schemeClr val="phClr"/>
+          </a:solidFill>
+          <a:prstDash val="solid"/>
+        </a:ln>
+        <a:ln w="38100" cap="flat" cmpd="sng" algn="ctr">
+          <a:solidFill>
+            <a:schemeClr val="phClr"/>
+          </a:solidFill>
+          <a:prstDash val="solid"/>
+        </a:ln>
+      </a:lnStyleLst>
+      <a:effectStyleLst>
+        <a:effectStyle>
+          <a:effectLst>
+            <a:outerShdw blurRad="40000" dist="20000" dir="5400000" rotWithShape="0">
+              <a:srgbClr val="000000">
+                <a:alpha val="38000"/>
+              </a:srgbClr>
+            </a:outerShdw>
+          </a:effectLst>
+        </a:effectStyle>
+        <a:effectStyle>
+          <a:effectLst>
+            <a:outerShdw blurRad="40000" dist="23000" dir="5400000" rotWithShape="0">
+              <a:srgbClr val="000000">
+                <a:alpha val="35000"/>
+              </a:srgbClr>
+            </a:outerShdw>
+          </a:effectLst>
+        </a:effectStyle>
+        <a:effectStyle>
+          <a:effectLst>
+            <a:outerShdw blurRad="40000" dist="23000" dir="5400000" rotWithShape="0">
+              <a:srgbClr val="000000">
+                <a:alpha val="35000"/>
+              </a:srgbClr>
+            </a:outerShdw>
+          </a:effectLst>
+          <a:scene3d>
+            <a:camera prst="orthographicFront">
+              <a:rot lat="0" lon="0" rev="0"/>
+            </a:camera>
+            <a:lightRig rig="threePt" dir="t">
+              <a:rot lat="0" lon="0" rev="1200000"/>
+            </a:lightRig>
+          </a:scene3d>
+          <a:sp3d>
+            <a:bevelT w="63500" h="25400"/>
+          </a:sp3d>
+        </a:effectStyle>
+      </a:effectStyleLst>
+      <a:bgFillStyleLst>
+        <a:solidFill>
+          <a:schemeClr val="phClr"/>
+        </a:solidFill>
+        <a:gradFill rotWithShape="1">
+          <a:gsLst>
+            <a:gs pos="0">
+              <a:schemeClr val="phClr">
+                <a:tint val="40000"/>
+                <a:satMod val="350000"/>
+              </a:schemeClr>
+            </a:gs>
+            <a:gs pos="40000">
+              <a:schemeClr val="phClr">
+                <a:tint val="45000"/>
+                <a:shade val="99000"/>
+                <a:satMod val="350000"/>
+              </a:schemeClr>
+            </a:gs>
+            <a:gs pos="100000">
+              <a:schemeClr val="phClr">
+                <a:shade val="20000"/>
+                <a:satMod val="255000"/>
+              </a:schemeClr>
+            </a:gs>
+          </a:gsLst>
+          <a:path path="circle">
+            <a:fillToRect l="50000" t="-80000" r="50000" b="180000"/>
+          </a:path>
+        </a:gradFill>
+        <a:gradFill rotWithShape="1">
+          <a:gsLst>
+            <a:gs pos="0">
+              <a:schemeClr val="phClr">
+                <a:tint val="80000"/>
+                <a:satMod val="300000"/>
+              </a:schemeClr>
+            </a:gs>
+            <a:gs pos="100000">
+              <a:schemeClr val="phClr">
+                <a:shade val="30000"/>
+                <a:satMod val="200000"/>
+              </a:schemeClr>
+            </a:gs>
+          </a:gsLst>
+          <a:path path="circle">
+            <a:fillToRect l="50000" t="50000" r="50000" b="50000"/>
+          </a:path>
+        </a:gradFill>
+      </a:bgFillStyleLst>
+    </a:fmtScheme>
+  </a:themeElements>
+</a:theme>
 </file>
 
-<file path=ppt/theme/theme1.xml><?xml version="1.0" encoding="utf-8"?>
+<file path=ppt/theme/theme2.xml><?xml version="1.0" encoding="utf-8"?>
 <a:theme xmlns:a="http://schemas.openxmlformats.org/drawingml/2006/main" xmlns:r="http://schemas.openxmlformats.org/officeDocument/2006/relationships" name="Paradigm">
   <a:themeElements>
     <a:clrScheme name="Paradigm">
@@ -9621,283 +9450,4 @@
     </a:fmtScheme>
   </a:themeElements>
 </a:theme>
-</file>
-
-<file path=ppt/theme/theme2.xml><?xml version="1.0" encoding="utf-8"?>
-<a:theme xmlns:a="http://schemas.openxmlformats.org/drawingml/2006/main" xmlns:r="http://schemas.openxmlformats.org/officeDocument/2006/relationships">
-  <a:themeElements>
-    <a:clrScheme name="Default">
-      <a:dk1>
-        <a:srgbClr val="000000"/>
-      </a:dk1>
-      <a:lt1>
-        <a:srgbClr val="FFFFFF"/>
-      </a:lt1>
-      <a:dk2>
-        <a:srgbClr val="158158"/>
-      </a:dk2>
-      <a:lt2>
-        <a:srgbClr val="F3F3F3"/>
-      </a:lt2>
-      <a:accent1>
-        <a:srgbClr val="058DC7"/>
-      </a:accent1>
-      <a:accent2>
-        <a:srgbClr val="50B432"/>
-      </a:accent2>
-      <a:accent3>
-        <a:srgbClr val="ED561B"/>
-      </a:accent3>
-      <a:accent4>
-        <a:srgbClr val="EDEF00"/>
-      </a:accent4>
-      <a:accent5>
-        <a:srgbClr val="24CBE5"/>
-      </a:accent5>
-      <a:accent6>
-        <a:srgbClr val="64E572"/>
-      </a:accent6>
-      <a:hlink>
-        <a:srgbClr val="2200CC"/>
-      </a:hlink>
-      <a:folHlink>
-        <a:srgbClr val="551A8B"/>
-      </a:folHlink>
-    </a:clrScheme>
-    <a:fontScheme name="Office">
-      <a:majorFont>
-        <a:latin typeface="Arial"/>
-        <a:ea typeface=""/>
-        <a:cs typeface=""/>
-        <a:font script="Jpan" typeface="ＭＳ Ｐゴシック"/>
-        <a:font script="Hang" typeface="맑은 고딕"/>
-        <a:font script="Hans" typeface="宋体"/>
-        <a:font script="Hant" typeface="新細明體"/>
-        <a:font script="Arab" typeface="Times New Roman"/>
-        <a:font script="Hebr" typeface="Times New Roman"/>
-        <a:font script="Thai" typeface="Angsana New"/>
-        <a:font script="Ethi" typeface="Nyala"/>
-        <a:font script="Beng" typeface="Vrinda"/>
-        <a:font script="Gujr" typeface="Shruti"/>
-        <a:font script="Khmr" typeface="MoolBoran"/>
-        <a:font script="Knda" typeface="Tunga"/>
-        <a:font script="Guru" typeface="Raavi"/>
-        <a:font script="Cans" typeface="Euphemia"/>
-        <a:font script="Cher" typeface="Plantagenet Cherokee"/>
-        <a:font script="Yiii" typeface="Microsoft Yi Baiti"/>
-        <a:font script="Tibt" typeface="Microsoft Himalaya"/>
-        <a:font script="Thaa" typeface="MV Boli"/>
-        <a:font script="Deva" typeface="Mangal"/>
-        <a:font script="Telu" typeface="Gautami"/>
-        <a:font script="Taml" typeface="Latha"/>
-        <a:font script="Syrc" typeface="Estrangelo Edessa"/>
-        <a:font script="Orya" typeface="Kalinga"/>
-        <a:font script="Mlym" typeface="Kartika"/>
-        <a:font script="Laoo" typeface="DokChampa"/>
-        <a:font script="Sinh" typeface="Iskoola Pota"/>
-        <a:font script="Mong" typeface="Mongolian Baiti"/>
-        <a:font script="Viet" typeface="Times New Roman"/>
-        <a:font script="Uigh" typeface="Microsoft Uighur"/>
-        <a:font script="Geor" typeface="Sylfaen"/>
-      </a:majorFont>
-      <a:minorFont>
-        <a:latin typeface="Arial"/>
-        <a:ea typeface=""/>
-        <a:cs typeface=""/>
-        <a:font script="Jpan" typeface="ＭＳ Ｐゴシック"/>
-        <a:font script="Hang" typeface="맑은 고딕"/>
-        <a:font script="Hans" typeface="宋体"/>
-        <a:font script="Hant" typeface="新細明體"/>
-        <a:font script="Arab" typeface="Arial"/>
-        <a:font script="Hebr" typeface="Arial"/>
-        <a:font script="Thai" typeface="Cordia New"/>
-        <a:font script="Ethi" typeface="Nyala"/>
-        <a:font script="Beng" typeface="Vrinda"/>
-        <a:font script="Gujr" typeface="Shruti"/>
-        <a:font script="Khmr" typeface="DaunPenh"/>
-        <a:font script="Knda" typeface="Tunga"/>
-        <a:font script="Guru" typeface="Raavi"/>
-        <a:font script="Cans" typeface="Euphemia"/>
-        <a:font script="Cher" typeface="Plantagenet Cherokee"/>
-        <a:font script="Yiii" typeface="Microsoft Yi Baiti"/>
-        <a:font script="Tibt" typeface="Microsoft Himalaya"/>
-        <a:font script="Thaa" typeface="MV Boli"/>
-        <a:font script="Deva" typeface="Mangal"/>
-        <a:font script="Telu" typeface="Gautami"/>
-        <a:font script="Taml" typeface="Latha"/>
-        <a:font script="Syrc" typeface="Estrangelo Edessa"/>
-        <a:font script="Orya" typeface="Kalinga"/>
-        <a:font script="Mlym" typeface="Kartika"/>
-        <a:font script="Laoo" typeface="DokChampa"/>
-        <a:font script="Sinh" typeface="Iskoola Pota"/>
-        <a:font script="Mong" typeface="Mongolian Baiti"/>
-        <a:font script="Viet" typeface="Arial"/>
-        <a:font script="Uigh" typeface="Microsoft Uighur"/>
-        <a:font script="Geor" typeface="Sylfaen"/>
-      </a:minorFont>
-    </a:fontScheme>
-    <a:fmtScheme name="Office">
-      <a:fillStyleLst>
-        <a:solidFill>
-          <a:schemeClr val="phClr"/>
-        </a:solidFill>
-        <a:gradFill rotWithShape="1">
-          <a:gsLst>
-            <a:gs pos="0">
-              <a:schemeClr val="phClr">
-                <a:tint val="50000"/>
-                <a:satMod val="300000"/>
-              </a:schemeClr>
-            </a:gs>
-            <a:gs pos="35000">
-              <a:schemeClr val="phClr">
-                <a:tint val="37000"/>
-                <a:satMod val="300000"/>
-              </a:schemeClr>
-            </a:gs>
-            <a:gs pos="100000">
-              <a:schemeClr val="phClr">
-                <a:tint val="15000"/>
-                <a:satMod val="350000"/>
-              </a:schemeClr>
-            </a:gs>
-          </a:gsLst>
-          <a:lin ang="16200000" scaled="1"/>
-        </a:gradFill>
-        <a:gradFill rotWithShape="1">
-          <a:gsLst>
-            <a:gs pos="0">
-              <a:schemeClr val="phClr">
-                <a:tint val="100000"/>
-                <a:shade val="100000"/>
-                <a:satMod val="130000"/>
-              </a:schemeClr>
-            </a:gs>
-            <a:gs pos="100000">
-              <a:schemeClr val="phClr">
-                <a:tint val="50000"/>
-                <a:shade val="100000"/>
-                <a:satMod val="350000"/>
-              </a:schemeClr>
-            </a:gs>
-          </a:gsLst>
-          <a:lin ang="16200000" scaled="0"/>
-        </a:gradFill>
-      </a:fillStyleLst>
-      <a:lnStyleLst>
-        <a:ln w="9525" cap="flat" cmpd="sng" algn="ctr">
-          <a:solidFill>
-            <a:schemeClr val="phClr">
-              <a:shade val="95000"/>
-              <a:satMod val="105000"/>
-            </a:schemeClr>
-          </a:solidFill>
-          <a:prstDash val="solid"/>
-        </a:ln>
-        <a:ln w="25400" cap="flat" cmpd="sng" algn="ctr">
-          <a:solidFill>
-            <a:schemeClr val="phClr"/>
-          </a:solidFill>
-          <a:prstDash val="solid"/>
-        </a:ln>
-        <a:ln w="38100" cap="flat" cmpd="sng" algn="ctr">
-          <a:solidFill>
-            <a:schemeClr val="phClr"/>
-          </a:solidFill>
-          <a:prstDash val="solid"/>
-        </a:ln>
-      </a:lnStyleLst>
-      <a:effectStyleLst>
-        <a:effectStyle>
-          <a:effectLst>
-            <a:outerShdw blurRad="40000" dist="20000" dir="5400000" rotWithShape="0">
-              <a:srgbClr val="000000">
-                <a:alpha val="38000"/>
-              </a:srgbClr>
-            </a:outerShdw>
-          </a:effectLst>
-        </a:effectStyle>
-        <a:effectStyle>
-          <a:effectLst>
-            <a:outerShdw blurRad="40000" dist="23000" dir="5400000" rotWithShape="0">
-              <a:srgbClr val="000000">
-                <a:alpha val="35000"/>
-              </a:srgbClr>
-            </a:outerShdw>
-          </a:effectLst>
-        </a:effectStyle>
-        <a:effectStyle>
-          <a:effectLst>
-            <a:outerShdw blurRad="40000" dist="23000" dir="5400000" rotWithShape="0">
-              <a:srgbClr val="000000">
-                <a:alpha val="35000"/>
-              </a:srgbClr>
-            </a:outerShdw>
-          </a:effectLst>
-          <a:scene3d>
-            <a:camera prst="orthographicFront">
-              <a:rot lat="0" lon="0" rev="0"/>
-            </a:camera>
-            <a:lightRig rig="threePt" dir="t">
-              <a:rot lat="0" lon="0" rev="1200000"/>
-            </a:lightRig>
-          </a:scene3d>
-          <a:sp3d>
-            <a:bevelT w="63500" h="25400"/>
-          </a:sp3d>
-        </a:effectStyle>
-      </a:effectStyleLst>
-      <a:bgFillStyleLst>
-        <a:solidFill>
-          <a:schemeClr val="phClr"/>
-        </a:solidFill>
-        <a:gradFill rotWithShape="1">
-          <a:gsLst>
-            <a:gs pos="0">
-              <a:schemeClr val="phClr">
-                <a:tint val="40000"/>
-                <a:satMod val="350000"/>
-              </a:schemeClr>
-            </a:gs>
-            <a:gs pos="40000">
-              <a:schemeClr val="phClr">
-                <a:tint val="45000"/>
-                <a:shade val="99000"/>
-                <a:satMod val="350000"/>
-              </a:schemeClr>
-            </a:gs>
-            <a:gs pos="100000">
-              <a:schemeClr val="phClr">
-                <a:shade val="20000"/>
-                <a:satMod val="255000"/>
-              </a:schemeClr>
-            </a:gs>
-          </a:gsLst>
-          <a:path path="circle">
-            <a:fillToRect l="50000" t="-80000" r="50000" b="180000"/>
-          </a:path>
-        </a:gradFill>
-        <a:gradFill rotWithShape="1">
-          <a:gsLst>
-            <a:gs pos="0">
-              <a:schemeClr val="phClr">
-                <a:tint val="80000"/>
-                <a:satMod val="300000"/>
-              </a:schemeClr>
-            </a:gs>
-            <a:gs pos="100000">
-              <a:schemeClr val="phClr">
-                <a:shade val="30000"/>
-                <a:satMod val="200000"/>
-              </a:schemeClr>
-            </a:gs>
-          </a:gsLst>
-          <a:path path="circle">
-            <a:fillToRect l="50000" t="50000" r="50000" b="50000"/>
-          </a:path>
-        </a:gradFill>
-      </a:bgFillStyleLst>
-    </a:fmtScheme>
-  </a:themeElements>
-</a:theme>
 </file>